--- a/final_project/data512_final_project_presentation.pptx
+++ b/final_project/data512_final_project_presentation.pptx
@@ -11,8 +11,9 @@
     <p:sldId id="261" r:id="rId5"/>
     <p:sldId id="260" r:id="rId6"/>
     <p:sldId id="262" r:id="rId7"/>
-    <p:sldId id="263" r:id="rId8"/>
-    <p:sldId id="264" r:id="rId9"/>
+    <p:sldId id="265" r:id="rId8"/>
+    <p:sldId id="263" r:id="rId9"/>
+    <p:sldId id="266" r:id="rId10"/>
   </p:sldIdLst>
   <p:sldSz cx="12192000" cy="6858000"/>
   <p:notesSz cx="6858000" cy="9144000"/>
@@ -266,7 +267,7 @@
           <a:p>
             <a:fld id="{5D870E33-7A1F-3242-9194-D17B343D3C3B}" type="datetimeFigureOut">
               <a:rPr lang="en-US" smtClean="0"/>
-              <a:t>12/3/19</a:t>
+              <a:t>12/4/19</a:t>
             </a:fld>
             <a:endParaRPr lang="en-US"/>
           </a:p>
@@ -464,7 +465,7 @@
           <a:p>
             <a:fld id="{5D870E33-7A1F-3242-9194-D17B343D3C3B}" type="datetimeFigureOut">
               <a:rPr lang="en-US" smtClean="0"/>
-              <a:t>12/3/19</a:t>
+              <a:t>12/4/19</a:t>
             </a:fld>
             <a:endParaRPr lang="en-US"/>
           </a:p>
@@ -672,7 +673,7 @@
           <a:p>
             <a:fld id="{5D870E33-7A1F-3242-9194-D17B343D3C3B}" type="datetimeFigureOut">
               <a:rPr lang="en-US" smtClean="0"/>
-              <a:t>12/3/19</a:t>
+              <a:t>12/4/19</a:t>
             </a:fld>
             <a:endParaRPr lang="en-US"/>
           </a:p>
@@ -870,7 +871,7 @@
           <a:p>
             <a:fld id="{5D870E33-7A1F-3242-9194-D17B343D3C3B}" type="datetimeFigureOut">
               <a:rPr lang="en-US" smtClean="0"/>
-              <a:t>12/3/19</a:t>
+              <a:t>12/4/19</a:t>
             </a:fld>
             <a:endParaRPr lang="en-US"/>
           </a:p>
@@ -1145,7 +1146,7 @@
           <a:p>
             <a:fld id="{5D870E33-7A1F-3242-9194-D17B343D3C3B}" type="datetimeFigureOut">
               <a:rPr lang="en-US" smtClean="0"/>
-              <a:t>12/3/19</a:t>
+              <a:t>12/4/19</a:t>
             </a:fld>
             <a:endParaRPr lang="en-US"/>
           </a:p>
@@ -1410,7 +1411,7 @@
           <a:p>
             <a:fld id="{5D870E33-7A1F-3242-9194-D17B343D3C3B}" type="datetimeFigureOut">
               <a:rPr lang="en-US" smtClean="0"/>
-              <a:t>12/3/19</a:t>
+              <a:t>12/4/19</a:t>
             </a:fld>
             <a:endParaRPr lang="en-US"/>
           </a:p>
@@ -1822,7 +1823,7 @@
           <a:p>
             <a:fld id="{5D870E33-7A1F-3242-9194-D17B343D3C3B}" type="datetimeFigureOut">
               <a:rPr lang="en-US" smtClean="0"/>
-              <a:t>12/3/19</a:t>
+              <a:t>12/4/19</a:t>
             </a:fld>
             <a:endParaRPr lang="en-US"/>
           </a:p>
@@ -1963,7 +1964,7 @@
           <a:p>
             <a:fld id="{5D870E33-7A1F-3242-9194-D17B343D3C3B}" type="datetimeFigureOut">
               <a:rPr lang="en-US" smtClean="0"/>
-              <a:t>12/3/19</a:t>
+              <a:t>12/4/19</a:t>
             </a:fld>
             <a:endParaRPr lang="en-US"/>
           </a:p>
@@ -2076,7 +2077,7 @@
           <a:p>
             <a:fld id="{5D870E33-7A1F-3242-9194-D17B343D3C3B}" type="datetimeFigureOut">
               <a:rPr lang="en-US" smtClean="0"/>
-              <a:t>12/3/19</a:t>
+              <a:t>12/4/19</a:t>
             </a:fld>
             <a:endParaRPr lang="en-US"/>
           </a:p>
@@ -2387,7 +2388,7 @@
           <a:p>
             <a:fld id="{5D870E33-7A1F-3242-9194-D17B343D3C3B}" type="datetimeFigureOut">
               <a:rPr lang="en-US" smtClean="0"/>
-              <a:t>12/3/19</a:t>
+              <a:t>12/4/19</a:t>
             </a:fld>
             <a:endParaRPr lang="en-US"/>
           </a:p>
@@ -2675,7 +2676,7 @@
           <a:p>
             <a:fld id="{5D870E33-7A1F-3242-9194-D17B343D3C3B}" type="datetimeFigureOut">
               <a:rPr lang="en-US" smtClean="0"/>
-              <a:t>12/3/19</a:t>
+              <a:t>12/4/19</a:t>
             </a:fld>
             <a:endParaRPr lang="en-US"/>
           </a:p>
@@ -2916,7 +2917,7 @@
           <a:p>
             <a:fld id="{5D870E33-7A1F-3242-9194-D17B343D3C3B}" type="datetimeFigureOut">
               <a:rPr lang="en-US" smtClean="0"/>
-              <a:t>12/3/19</a:t>
+              <a:t>12/4/19</a:t>
             </a:fld>
             <a:endParaRPr lang="en-US"/>
           </a:p>
@@ -3382,10 +3383,33 @@
         </p:nvSpPr>
         <p:spPr/>
         <p:txBody>
-          <a:bodyPr/>
+          <a:bodyPr>
+            <a:normAutofit lnSpcReduction="10000"/>
+          </a:bodyPr>
           <a:lstStyle/>
           <a:p>
-            <a:endParaRPr lang="en-US"/>
+            <a:r>
+              <a:rPr lang="en-US" dirty="0"/>
+              <a:t>DATA512 Autumn 2019</a:t>
+            </a:r>
+          </a:p>
+          <a:p>
+            <a:r>
+              <a:rPr lang="en-US" dirty="0"/>
+              <a:t>University of Washington</a:t>
+            </a:r>
+          </a:p>
+          <a:p>
+            <a:r>
+              <a:rPr lang="en-US" dirty="0"/>
+              <a:t>Joel Stremmel</a:t>
+            </a:r>
+          </a:p>
+          <a:p>
+            <a:r>
+              <a:rPr lang="en-US" dirty="0"/>
+              <a:t>12-05-12</a:t>
+            </a:r>
           </a:p>
         </p:txBody>
       </p:sp>
@@ -3435,7 +3459,12 @@
             <p:ph type="title"/>
           </p:nvPr>
         </p:nvSpPr>
-        <p:spPr/>
+        <p:spPr>
+          <a:xfrm>
+            <a:off x="838200" y="0"/>
+            <a:ext cx="10515600" cy="1325563"/>
+          </a:xfrm>
+        </p:spPr>
         <p:txBody>
           <a:bodyPr>
             <a:normAutofit/>
@@ -3448,7 +3477,7 @@
                 <a:latin typeface="Calibri" panose="020F0502020204030204" pitchFamily="34" charset="0"/>
                 <a:cs typeface="Calibri" panose="020F0502020204030204" pitchFamily="34" charset="0"/>
               </a:rPr>
-              <a:t>Research Questions and Hypotheses</a:t>
+              <a:t>Research Questions and Hypothesis</a:t>
             </a:r>
             <a:endParaRPr lang="en-US" sz="3000" dirty="0">
               <a:latin typeface="Calibri" panose="020F0502020204030204" pitchFamily="34" charset="0"/>
@@ -3473,7 +3502,12 @@
             <p:ph idx="1"/>
           </p:nvPr>
         </p:nvSpPr>
-        <p:spPr/>
+        <p:spPr>
+          <a:xfrm>
+            <a:off x="838200" y="1325563"/>
+            <a:ext cx="10515600" cy="4351338"/>
+          </a:xfrm>
+        </p:spPr>
         <p:txBody>
           <a:bodyPr>
             <a:normAutofit/>
@@ -3484,7 +3518,7 @@
               <a:buNone/>
             </a:pPr>
             <a:r>
-              <a:rPr lang="en-US" sz="2400" dirty="0"/>
+              <a:rPr lang="en-US" sz="2400" b="1" dirty="0"/>
               <a:t>Questions:</a:t>
             </a:r>
           </a:p>
@@ -3502,7 +3536,7 @@
             </a:pPr>
             <a:r>
               <a:rPr lang="en-US" dirty="0"/>
-              <a:t>Which types of food establishments (i.e. restaurants, bars, cafes, school cafeterias) are most likely to fail food inspections in the city of Chicago?</a:t>
+              <a:t>Which types of food establishments (i.e. restaurants, bars, cafés, school cafeterias) are most likely to fail food inspections in the city of Chicago?</a:t>
             </a:r>
           </a:p>
           <a:p>
@@ -3527,7 +3561,7 @@
               <a:buNone/>
             </a:pPr>
             <a:r>
-              <a:rPr lang="en-US" sz="2400" dirty="0"/>
+              <a:rPr lang="en-US" sz="2400" b="1" dirty="0"/>
               <a:t>Hypothesis:</a:t>
             </a:r>
           </a:p>
@@ -3543,6 +3577,10 @@
               <a:rPr lang="en-US" dirty="0"/>
               <a:t>The neighborhoods in Chicago most likely to fail food inspections are also relatively impoverished compared to those likely to pass inspections.</a:t>
             </a:r>
+          </a:p>
+          <a:p>
+            <a:pPr lvl="1"/>
+            <a:endParaRPr lang="en-US" dirty="0"/>
           </a:p>
           <a:p>
             <a:pPr marL="0" indent="0">
@@ -3598,7 +3636,12 @@
             <p:ph type="title"/>
           </p:nvPr>
         </p:nvSpPr>
-        <p:spPr/>
+        <p:spPr>
+          <a:xfrm>
+            <a:off x="838200" y="0"/>
+            <a:ext cx="10515600" cy="1325563"/>
+          </a:xfrm>
+        </p:spPr>
         <p:txBody>
           <a:bodyPr>
             <a:normAutofit/>
@@ -3632,15 +3675,3037 @@
             <p:ph idx="1"/>
           </p:nvPr>
         </p:nvSpPr>
-        <p:spPr/>
+        <p:spPr>
+          <a:xfrm>
+            <a:off x="1946281" y="1127125"/>
+            <a:ext cx="8324850" cy="1641475"/>
+          </a:xfrm>
+        </p:spPr>
         <p:txBody>
-          <a:bodyPr/>
+          <a:bodyPr>
+            <a:normAutofit/>
+          </a:bodyPr>
           <a:lstStyle/>
           <a:p>
-            <a:endParaRPr lang="en-US"/>
+            <a:pPr marL="0" indent="0">
+              <a:buNone/>
+            </a:pPr>
+            <a:r>
+              <a:rPr lang="en-US" sz="2400" dirty="0"/>
+              <a:t>Chicago Food Inspections since 2010 from </a:t>
+            </a:r>
+            <a:r>
+              <a:rPr lang="en-US" sz="2400" dirty="0" err="1"/>
+              <a:t>healthdata.gov</a:t>
+            </a:r>
+            <a:endParaRPr lang="en-US" sz="2400" dirty="0"/>
+          </a:p>
+          <a:p>
+            <a:pPr lvl="1"/>
+            <a:r>
+              <a:rPr lang="en-US" dirty="0"/>
+              <a:t>Source: </a:t>
+            </a:r>
+            <a:r>
+              <a:rPr lang="en-US" dirty="0">
+                <a:hlinkClick r:id="rId2"/>
+              </a:rPr>
+              <a:t>https://healthdata.gov/dataset/food-inspections</a:t>
+            </a:r>
+            <a:endParaRPr lang="en-US" dirty="0"/>
+          </a:p>
+          <a:p>
+            <a:pPr lvl="1"/>
+            <a:r>
+              <a:rPr lang="en-US" dirty="0"/>
+              <a:t>License: </a:t>
+            </a:r>
+            <a:r>
+              <a:rPr lang="en-US" dirty="0">
+                <a:hlinkClick r:id="rId3"/>
+              </a:rPr>
+              <a:t>http://opendefinition.org/licenses/odc-odbl/</a:t>
+            </a:r>
+            <a:endParaRPr lang="en-US" dirty="0"/>
+          </a:p>
+          <a:p>
+            <a:endParaRPr lang="en-US" dirty="0"/>
           </a:p>
         </p:txBody>
       </p:sp>
+      <p:graphicFrame>
+        <p:nvGraphicFramePr>
+          <p:cNvPr id="4" name="Table 3">
+            <a:extLst>
+              <a:ext uri="{FF2B5EF4-FFF2-40B4-BE49-F238E27FC236}">
+                <a16:creationId xmlns:a16="http://schemas.microsoft.com/office/drawing/2014/main" id="{685A36DF-744C-DF47-9CC0-02040A30A693}"/>
+              </a:ext>
+            </a:extLst>
+          </p:cNvPr>
+          <p:cNvGraphicFramePr>
+            <a:graphicFrameLocks noGrp="1"/>
+          </p:cNvGraphicFramePr>
+          <p:nvPr>
+            <p:extLst>
+              <p:ext uri="{D42A27DB-BD31-4B8C-83A1-F6EECF244321}">
+                <p14:modId xmlns:p14="http://schemas.microsoft.com/office/powerpoint/2010/main" val="504050230"/>
+              </p:ext>
+            </p:extLst>
+          </p:nvPr>
+        </p:nvGraphicFramePr>
+        <p:xfrm>
+          <a:off x="254000" y="3098800"/>
+          <a:ext cx="11709413" cy="3263900"/>
+        </p:xfrm>
+        <a:graphic>
+          <a:graphicData uri="http://schemas.openxmlformats.org/drawingml/2006/table">
+            <a:tbl>
+              <a:tblPr/>
+              <a:tblGrid>
+                <a:gridCol w="688789">
+                  <a:extLst>
+                    <a:ext uri="{9D8B030D-6E8A-4147-A177-3AD203B41FA5}">
+                      <a16:colId xmlns:a16="http://schemas.microsoft.com/office/drawing/2014/main" val="3806432169"/>
+                    </a:ext>
+                  </a:extLst>
+                </a:gridCol>
+                <a:gridCol w="688789">
+                  <a:extLst>
+                    <a:ext uri="{9D8B030D-6E8A-4147-A177-3AD203B41FA5}">
+                      <a16:colId xmlns:a16="http://schemas.microsoft.com/office/drawing/2014/main" val="3790122128"/>
+                    </a:ext>
+                  </a:extLst>
+                </a:gridCol>
+                <a:gridCol w="688789">
+                  <a:extLst>
+                    <a:ext uri="{9D8B030D-6E8A-4147-A177-3AD203B41FA5}">
+                      <a16:colId xmlns:a16="http://schemas.microsoft.com/office/drawing/2014/main" val="3650859371"/>
+                    </a:ext>
+                  </a:extLst>
+                </a:gridCol>
+                <a:gridCol w="688789">
+                  <a:extLst>
+                    <a:ext uri="{9D8B030D-6E8A-4147-A177-3AD203B41FA5}">
+                      <a16:colId xmlns:a16="http://schemas.microsoft.com/office/drawing/2014/main" val="36777527"/>
+                    </a:ext>
+                  </a:extLst>
+                </a:gridCol>
+                <a:gridCol w="688789">
+                  <a:extLst>
+                    <a:ext uri="{9D8B030D-6E8A-4147-A177-3AD203B41FA5}">
+                      <a16:colId xmlns:a16="http://schemas.microsoft.com/office/drawing/2014/main" val="2740943547"/>
+                    </a:ext>
+                  </a:extLst>
+                </a:gridCol>
+                <a:gridCol w="688789">
+                  <a:extLst>
+                    <a:ext uri="{9D8B030D-6E8A-4147-A177-3AD203B41FA5}">
+                      <a16:colId xmlns:a16="http://schemas.microsoft.com/office/drawing/2014/main" val="1737745913"/>
+                    </a:ext>
+                  </a:extLst>
+                </a:gridCol>
+                <a:gridCol w="688789">
+                  <a:extLst>
+                    <a:ext uri="{9D8B030D-6E8A-4147-A177-3AD203B41FA5}">
+                      <a16:colId xmlns:a16="http://schemas.microsoft.com/office/drawing/2014/main" val="2201870944"/>
+                    </a:ext>
+                  </a:extLst>
+                </a:gridCol>
+                <a:gridCol w="688789">
+                  <a:extLst>
+                    <a:ext uri="{9D8B030D-6E8A-4147-A177-3AD203B41FA5}">
+                      <a16:colId xmlns:a16="http://schemas.microsoft.com/office/drawing/2014/main" val="368559938"/>
+                    </a:ext>
+                  </a:extLst>
+                </a:gridCol>
+                <a:gridCol w="688789">
+                  <a:extLst>
+                    <a:ext uri="{9D8B030D-6E8A-4147-A177-3AD203B41FA5}">
+                      <a16:colId xmlns:a16="http://schemas.microsoft.com/office/drawing/2014/main" val="2427248642"/>
+                    </a:ext>
+                  </a:extLst>
+                </a:gridCol>
+                <a:gridCol w="688789">
+                  <a:extLst>
+                    <a:ext uri="{9D8B030D-6E8A-4147-A177-3AD203B41FA5}">
+                      <a16:colId xmlns:a16="http://schemas.microsoft.com/office/drawing/2014/main" val="367623567"/>
+                    </a:ext>
+                  </a:extLst>
+                </a:gridCol>
+                <a:gridCol w="688789">
+                  <a:extLst>
+                    <a:ext uri="{9D8B030D-6E8A-4147-A177-3AD203B41FA5}">
+                      <a16:colId xmlns:a16="http://schemas.microsoft.com/office/drawing/2014/main" val="2928702698"/>
+                    </a:ext>
+                  </a:extLst>
+                </a:gridCol>
+                <a:gridCol w="688789">
+                  <a:extLst>
+                    <a:ext uri="{9D8B030D-6E8A-4147-A177-3AD203B41FA5}">
+                      <a16:colId xmlns:a16="http://schemas.microsoft.com/office/drawing/2014/main" val="2598160984"/>
+                    </a:ext>
+                  </a:extLst>
+                </a:gridCol>
+                <a:gridCol w="688789">
+                  <a:extLst>
+                    <a:ext uri="{9D8B030D-6E8A-4147-A177-3AD203B41FA5}">
+                      <a16:colId xmlns:a16="http://schemas.microsoft.com/office/drawing/2014/main" val="1640361463"/>
+                    </a:ext>
+                  </a:extLst>
+                </a:gridCol>
+                <a:gridCol w="688789">
+                  <a:extLst>
+                    <a:ext uri="{9D8B030D-6E8A-4147-A177-3AD203B41FA5}">
+                      <a16:colId xmlns:a16="http://schemas.microsoft.com/office/drawing/2014/main" val="3574792821"/>
+                    </a:ext>
+                  </a:extLst>
+                </a:gridCol>
+                <a:gridCol w="688789">
+                  <a:extLst>
+                    <a:ext uri="{9D8B030D-6E8A-4147-A177-3AD203B41FA5}">
+                      <a16:colId xmlns:a16="http://schemas.microsoft.com/office/drawing/2014/main" val="863249182"/>
+                    </a:ext>
+                  </a:extLst>
+                </a:gridCol>
+                <a:gridCol w="688789">
+                  <a:extLst>
+                    <a:ext uri="{9D8B030D-6E8A-4147-A177-3AD203B41FA5}">
+                      <a16:colId xmlns:a16="http://schemas.microsoft.com/office/drawing/2014/main" val="2255421424"/>
+                    </a:ext>
+                  </a:extLst>
+                </a:gridCol>
+                <a:gridCol w="688789">
+                  <a:extLst>
+                    <a:ext uri="{9D8B030D-6E8A-4147-A177-3AD203B41FA5}">
+                      <a16:colId xmlns:a16="http://schemas.microsoft.com/office/drawing/2014/main" val="576275920"/>
+                    </a:ext>
+                  </a:extLst>
+                </a:gridCol>
+              </a:tblGrid>
+              <a:tr h="650477">
+                <a:tc>
+                  <a:txBody>
+                    <a:bodyPr/>
+                    <a:lstStyle/>
+                    <a:p>
+                      <a:r>
+                        <a:rPr lang="en-US" sz="1200" b="1">
+                          <a:effectLst/>
+                        </a:rPr>
+                        <a:t>Inspection ID</a:t>
+                      </a:r>
+                    </a:p>
+                  </a:txBody>
+                  <a:tcPr marL="41569" marR="41569" marT="19186" marB="19186" anchor="ctr">
+                    <a:lnL w="9525" cap="flat" cmpd="sng" algn="ctr">
+                      <a:solidFill>
+                        <a:srgbClr val="DFE2E5"/>
+                      </a:solidFill>
+                      <a:prstDash val="solid"/>
+                      <a:round/>
+                      <a:headEnd type="none" w="med" len="med"/>
+                      <a:tailEnd type="none" w="med" len="med"/>
+                    </a:lnL>
+                    <a:lnR w="9525" cap="flat" cmpd="sng" algn="ctr">
+                      <a:solidFill>
+                        <a:srgbClr val="DFE2E5"/>
+                      </a:solidFill>
+                      <a:prstDash val="solid"/>
+                      <a:round/>
+                      <a:headEnd type="none" w="med" len="med"/>
+                      <a:tailEnd type="none" w="med" len="med"/>
+                    </a:lnR>
+                    <a:lnT w="9525" cap="flat" cmpd="sng" algn="ctr">
+                      <a:solidFill>
+                        <a:srgbClr val="DFE2E5"/>
+                      </a:solidFill>
+                      <a:prstDash val="solid"/>
+                      <a:round/>
+                      <a:headEnd type="none" w="med" len="med"/>
+                      <a:tailEnd type="none" w="med" len="med"/>
+                    </a:lnT>
+                    <a:lnB w="9525" cap="flat" cmpd="sng" algn="ctr">
+                      <a:solidFill>
+                        <a:srgbClr val="DFE2E5"/>
+                      </a:solidFill>
+                      <a:prstDash val="solid"/>
+                      <a:round/>
+                      <a:headEnd type="none" w="med" len="med"/>
+                      <a:tailEnd type="none" w="med" len="med"/>
+                    </a:lnB>
+                    <a:solidFill>
+                      <a:srgbClr val="FFFFFF"/>
+                    </a:solidFill>
+                  </a:tcPr>
+                </a:tc>
+                <a:tc>
+                  <a:txBody>
+                    <a:bodyPr/>
+                    <a:lstStyle/>
+                    <a:p>
+                      <a:r>
+                        <a:rPr lang="en-US" sz="1200" b="1">
+                          <a:effectLst/>
+                        </a:rPr>
+                        <a:t>DBA Name</a:t>
+                      </a:r>
+                    </a:p>
+                  </a:txBody>
+                  <a:tcPr marL="41569" marR="41569" marT="19186" marB="19186" anchor="ctr">
+                    <a:lnL w="9525" cap="flat" cmpd="sng" algn="ctr">
+                      <a:solidFill>
+                        <a:srgbClr val="DFE2E5"/>
+                      </a:solidFill>
+                      <a:prstDash val="solid"/>
+                      <a:round/>
+                      <a:headEnd type="none" w="med" len="med"/>
+                      <a:tailEnd type="none" w="med" len="med"/>
+                    </a:lnL>
+                    <a:lnR w="9525" cap="flat" cmpd="sng" algn="ctr">
+                      <a:solidFill>
+                        <a:srgbClr val="DFE2E5"/>
+                      </a:solidFill>
+                      <a:prstDash val="solid"/>
+                      <a:round/>
+                      <a:headEnd type="none" w="med" len="med"/>
+                      <a:tailEnd type="none" w="med" len="med"/>
+                    </a:lnR>
+                    <a:lnT w="9525" cap="flat" cmpd="sng" algn="ctr">
+                      <a:solidFill>
+                        <a:srgbClr val="DFE2E5"/>
+                      </a:solidFill>
+                      <a:prstDash val="solid"/>
+                      <a:round/>
+                      <a:headEnd type="none" w="med" len="med"/>
+                      <a:tailEnd type="none" w="med" len="med"/>
+                    </a:lnT>
+                    <a:lnB w="9525" cap="flat" cmpd="sng" algn="ctr">
+                      <a:solidFill>
+                        <a:srgbClr val="DFE2E5"/>
+                      </a:solidFill>
+                      <a:prstDash val="solid"/>
+                      <a:round/>
+                      <a:headEnd type="none" w="med" len="med"/>
+                      <a:tailEnd type="none" w="med" len="med"/>
+                    </a:lnB>
+                    <a:solidFill>
+                      <a:srgbClr val="FFFFFF"/>
+                    </a:solidFill>
+                  </a:tcPr>
+                </a:tc>
+                <a:tc>
+                  <a:txBody>
+                    <a:bodyPr/>
+                    <a:lstStyle/>
+                    <a:p>
+                      <a:r>
+                        <a:rPr lang="en-US" sz="1200" b="1">
+                          <a:effectLst/>
+                        </a:rPr>
+                        <a:t>AKA Name</a:t>
+                      </a:r>
+                    </a:p>
+                  </a:txBody>
+                  <a:tcPr marL="41569" marR="41569" marT="19186" marB="19186" anchor="ctr">
+                    <a:lnL w="9525" cap="flat" cmpd="sng" algn="ctr">
+                      <a:solidFill>
+                        <a:srgbClr val="DFE2E5"/>
+                      </a:solidFill>
+                      <a:prstDash val="solid"/>
+                      <a:round/>
+                      <a:headEnd type="none" w="med" len="med"/>
+                      <a:tailEnd type="none" w="med" len="med"/>
+                    </a:lnL>
+                    <a:lnR w="9525" cap="flat" cmpd="sng" algn="ctr">
+                      <a:solidFill>
+                        <a:srgbClr val="DFE2E5"/>
+                      </a:solidFill>
+                      <a:prstDash val="solid"/>
+                      <a:round/>
+                      <a:headEnd type="none" w="med" len="med"/>
+                      <a:tailEnd type="none" w="med" len="med"/>
+                    </a:lnR>
+                    <a:lnT w="9525" cap="flat" cmpd="sng" algn="ctr">
+                      <a:solidFill>
+                        <a:srgbClr val="DFE2E5"/>
+                      </a:solidFill>
+                      <a:prstDash val="solid"/>
+                      <a:round/>
+                      <a:headEnd type="none" w="med" len="med"/>
+                      <a:tailEnd type="none" w="med" len="med"/>
+                    </a:lnT>
+                    <a:lnB w="9525" cap="flat" cmpd="sng" algn="ctr">
+                      <a:solidFill>
+                        <a:srgbClr val="DFE2E5"/>
+                      </a:solidFill>
+                      <a:prstDash val="solid"/>
+                      <a:round/>
+                      <a:headEnd type="none" w="med" len="med"/>
+                      <a:tailEnd type="none" w="med" len="med"/>
+                    </a:lnB>
+                    <a:solidFill>
+                      <a:srgbClr val="FFFFFF"/>
+                    </a:solidFill>
+                  </a:tcPr>
+                </a:tc>
+                <a:tc>
+                  <a:txBody>
+                    <a:bodyPr/>
+                    <a:lstStyle/>
+                    <a:p>
+                      <a:r>
+                        <a:rPr lang="en-US" sz="1200" b="1">
+                          <a:effectLst/>
+                        </a:rPr>
+                        <a:t>License #</a:t>
+                      </a:r>
+                    </a:p>
+                  </a:txBody>
+                  <a:tcPr marL="41569" marR="41569" marT="19186" marB="19186" anchor="ctr">
+                    <a:lnL w="9525" cap="flat" cmpd="sng" algn="ctr">
+                      <a:solidFill>
+                        <a:srgbClr val="DFE2E5"/>
+                      </a:solidFill>
+                      <a:prstDash val="solid"/>
+                      <a:round/>
+                      <a:headEnd type="none" w="med" len="med"/>
+                      <a:tailEnd type="none" w="med" len="med"/>
+                    </a:lnL>
+                    <a:lnR w="9525" cap="flat" cmpd="sng" algn="ctr">
+                      <a:solidFill>
+                        <a:srgbClr val="DFE2E5"/>
+                      </a:solidFill>
+                      <a:prstDash val="solid"/>
+                      <a:round/>
+                      <a:headEnd type="none" w="med" len="med"/>
+                      <a:tailEnd type="none" w="med" len="med"/>
+                    </a:lnR>
+                    <a:lnT w="9525" cap="flat" cmpd="sng" algn="ctr">
+                      <a:solidFill>
+                        <a:srgbClr val="DFE2E5"/>
+                      </a:solidFill>
+                      <a:prstDash val="solid"/>
+                      <a:round/>
+                      <a:headEnd type="none" w="med" len="med"/>
+                      <a:tailEnd type="none" w="med" len="med"/>
+                    </a:lnT>
+                    <a:lnB w="9525" cap="flat" cmpd="sng" algn="ctr">
+                      <a:solidFill>
+                        <a:srgbClr val="DFE2E5"/>
+                      </a:solidFill>
+                      <a:prstDash val="solid"/>
+                      <a:round/>
+                      <a:headEnd type="none" w="med" len="med"/>
+                      <a:tailEnd type="none" w="med" len="med"/>
+                    </a:lnB>
+                    <a:solidFill>
+                      <a:srgbClr val="FFFFFF"/>
+                    </a:solidFill>
+                  </a:tcPr>
+                </a:tc>
+                <a:tc>
+                  <a:txBody>
+                    <a:bodyPr/>
+                    <a:lstStyle/>
+                    <a:p>
+                      <a:r>
+                        <a:rPr lang="en-US" sz="1200" b="1">
+                          <a:effectLst/>
+                        </a:rPr>
+                        <a:t>Facility Type</a:t>
+                      </a:r>
+                    </a:p>
+                  </a:txBody>
+                  <a:tcPr marL="41569" marR="41569" marT="19186" marB="19186" anchor="ctr">
+                    <a:lnL w="9525" cap="flat" cmpd="sng" algn="ctr">
+                      <a:solidFill>
+                        <a:srgbClr val="DFE2E5"/>
+                      </a:solidFill>
+                      <a:prstDash val="solid"/>
+                      <a:round/>
+                      <a:headEnd type="none" w="med" len="med"/>
+                      <a:tailEnd type="none" w="med" len="med"/>
+                    </a:lnL>
+                    <a:lnR w="9525" cap="flat" cmpd="sng" algn="ctr">
+                      <a:solidFill>
+                        <a:srgbClr val="DFE2E5"/>
+                      </a:solidFill>
+                      <a:prstDash val="solid"/>
+                      <a:round/>
+                      <a:headEnd type="none" w="med" len="med"/>
+                      <a:tailEnd type="none" w="med" len="med"/>
+                    </a:lnR>
+                    <a:lnT w="9525" cap="flat" cmpd="sng" algn="ctr">
+                      <a:solidFill>
+                        <a:srgbClr val="DFE2E5"/>
+                      </a:solidFill>
+                      <a:prstDash val="solid"/>
+                      <a:round/>
+                      <a:headEnd type="none" w="med" len="med"/>
+                      <a:tailEnd type="none" w="med" len="med"/>
+                    </a:lnT>
+                    <a:lnB w="9525" cap="flat" cmpd="sng" algn="ctr">
+                      <a:solidFill>
+                        <a:srgbClr val="DFE2E5"/>
+                      </a:solidFill>
+                      <a:prstDash val="solid"/>
+                      <a:round/>
+                      <a:headEnd type="none" w="med" len="med"/>
+                      <a:tailEnd type="none" w="med" len="med"/>
+                    </a:lnB>
+                    <a:solidFill>
+                      <a:srgbClr val="FFFFFF"/>
+                    </a:solidFill>
+                  </a:tcPr>
+                </a:tc>
+                <a:tc>
+                  <a:txBody>
+                    <a:bodyPr/>
+                    <a:lstStyle/>
+                    <a:p>
+                      <a:r>
+                        <a:rPr lang="en-US" sz="1200" b="1">
+                          <a:effectLst/>
+                        </a:rPr>
+                        <a:t>Risk</a:t>
+                      </a:r>
+                    </a:p>
+                  </a:txBody>
+                  <a:tcPr marL="41569" marR="41569" marT="19186" marB="19186" anchor="ctr">
+                    <a:lnL w="9525" cap="flat" cmpd="sng" algn="ctr">
+                      <a:solidFill>
+                        <a:srgbClr val="DFE2E5"/>
+                      </a:solidFill>
+                      <a:prstDash val="solid"/>
+                      <a:round/>
+                      <a:headEnd type="none" w="med" len="med"/>
+                      <a:tailEnd type="none" w="med" len="med"/>
+                    </a:lnL>
+                    <a:lnR w="9525" cap="flat" cmpd="sng" algn="ctr">
+                      <a:solidFill>
+                        <a:srgbClr val="DFE2E5"/>
+                      </a:solidFill>
+                      <a:prstDash val="solid"/>
+                      <a:round/>
+                      <a:headEnd type="none" w="med" len="med"/>
+                      <a:tailEnd type="none" w="med" len="med"/>
+                    </a:lnR>
+                    <a:lnT w="9525" cap="flat" cmpd="sng" algn="ctr">
+                      <a:solidFill>
+                        <a:srgbClr val="DFE2E5"/>
+                      </a:solidFill>
+                      <a:prstDash val="solid"/>
+                      <a:round/>
+                      <a:headEnd type="none" w="med" len="med"/>
+                      <a:tailEnd type="none" w="med" len="med"/>
+                    </a:lnT>
+                    <a:lnB w="9525" cap="flat" cmpd="sng" algn="ctr">
+                      <a:solidFill>
+                        <a:srgbClr val="DFE2E5"/>
+                      </a:solidFill>
+                      <a:prstDash val="solid"/>
+                      <a:round/>
+                      <a:headEnd type="none" w="med" len="med"/>
+                      <a:tailEnd type="none" w="med" len="med"/>
+                    </a:lnB>
+                    <a:solidFill>
+                      <a:srgbClr val="FFFFFF"/>
+                    </a:solidFill>
+                  </a:tcPr>
+                </a:tc>
+                <a:tc>
+                  <a:txBody>
+                    <a:bodyPr/>
+                    <a:lstStyle/>
+                    <a:p>
+                      <a:r>
+                        <a:rPr lang="en-US" sz="1200" b="1">
+                          <a:effectLst/>
+                        </a:rPr>
+                        <a:t>Address</a:t>
+                      </a:r>
+                    </a:p>
+                  </a:txBody>
+                  <a:tcPr marL="41569" marR="41569" marT="19186" marB="19186" anchor="ctr">
+                    <a:lnL w="9525" cap="flat" cmpd="sng" algn="ctr">
+                      <a:solidFill>
+                        <a:srgbClr val="DFE2E5"/>
+                      </a:solidFill>
+                      <a:prstDash val="solid"/>
+                      <a:round/>
+                      <a:headEnd type="none" w="med" len="med"/>
+                      <a:tailEnd type="none" w="med" len="med"/>
+                    </a:lnL>
+                    <a:lnR w="9525" cap="flat" cmpd="sng" algn="ctr">
+                      <a:solidFill>
+                        <a:srgbClr val="DFE2E5"/>
+                      </a:solidFill>
+                      <a:prstDash val="solid"/>
+                      <a:round/>
+                      <a:headEnd type="none" w="med" len="med"/>
+                      <a:tailEnd type="none" w="med" len="med"/>
+                    </a:lnR>
+                    <a:lnT w="9525" cap="flat" cmpd="sng" algn="ctr">
+                      <a:solidFill>
+                        <a:srgbClr val="DFE2E5"/>
+                      </a:solidFill>
+                      <a:prstDash val="solid"/>
+                      <a:round/>
+                      <a:headEnd type="none" w="med" len="med"/>
+                      <a:tailEnd type="none" w="med" len="med"/>
+                    </a:lnT>
+                    <a:lnB w="9525" cap="flat" cmpd="sng" algn="ctr">
+                      <a:solidFill>
+                        <a:srgbClr val="DFE2E5"/>
+                      </a:solidFill>
+                      <a:prstDash val="solid"/>
+                      <a:round/>
+                      <a:headEnd type="none" w="med" len="med"/>
+                      <a:tailEnd type="none" w="med" len="med"/>
+                    </a:lnB>
+                    <a:solidFill>
+                      <a:srgbClr val="FFFFFF"/>
+                    </a:solidFill>
+                  </a:tcPr>
+                </a:tc>
+                <a:tc>
+                  <a:txBody>
+                    <a:bodyPr/>
+                    <a:lstStyle/>
+                    <a:p>
+                      <a:r>
+                        <a:rPr lang="en-US" sz="1200" b="1">
+                          <a:effectLst/>
+                        </a:rPr>
+                        <a:t>City</a:t>
+                      </a:r>
+                    </a:p>
+                  </a:txBody>
+                  <a:tcPr marL="41569" marR="41569" marT="19186" marB="19186" anchor="ctr">
+                    <a:lnL w="9525" cap="flat" cmpd="sng" algn="ctr">
+                      <a:solidFill>
+                        <a:srgbClr val="DFE2E5"/>
+                      </a:solidFill>
+                      <a:prstDash val="solid"/>
+                      <a:round/>
+                      <a:headEnd type="none" w="med" len="med"/>
+                      <a:tailEnd type="none" w="med" len="med"/>
+                    </a:lnL>
+                    <a:lnR w="9525" cap="flat" cmpd="sng" algn="ctr">
+                      <a:solidFill>
+                        <a:srgbClr val="DFE2E5"/>
+                      </a:solidFill>
+                      <a:prstDash val="solid"/>
+                      <a:round/>
+                      <a:headEnd type="none" w="med" len="med"/>
+                      <a:tailEnd type="none" w="med" len="med"/>
+                    </a:lnR>
+                    <a:lnT w="9525" cap="flat" cmpd="sng" algn="ctr">
+                      <a:solidFill>
+                        <a:srgbClr val="DFE2E5"/>
+                      </a:solidFill>
+                      <a:prstDash val="solid"/>
+                      <a:round/>
+                      <a:headEnd type="none" w="med" len="med"/>
+                      <a:tailEnd type="none" w="med" len="med"/>
+                    </a:lnT>
+                    <a:lnB w="9525" cap="flat" cmpd="sng" algn="ctr">
+                      <a:solidFill>
+                        <a:srgbClr val="DFE2E5"/>
+                      </a:solidFill>
+                      <a:prstDash val="solid"/>
+                      <a:round/>
+                      <a:headEnd type="none" w="med" len="med"/>
+                      <a:tailEnd type="none" w="med" len="med"/>
+                    </a:lnB>
+                    <a:solidFill>
+                      <a:srgbClr val="FFFFFF"/>
+                    </a:solidFill>
+                  </a:tcPr>
+                </a:tc>
+                <a:tc>
+                  <a:txBody>
+                    <a:bodyPr/>
+                    <a:lstStyle/>
+                    <a:p>
+                      <a:r>
+                        <a:rPr lang="en-US" sz="1200" b="1">
+                          <a:effectLst/>
+                        </a:rPr>
+                        <a:t>State</a:t>
+                      </a:r>
+                    </a:p>
+                  </a:txBody>
+                  <a:tcPr marL="41569" marR="41569" marT="19186" marB="19186" anchor="ctr">
+                    <a:lnL w="9525" cap="flat" cmpd="sng" algn="ctr">
+                      <a:solidFill>
+                        <a:srgbClr val="DFE2E5"/>
+                      </a:solidFill>
+                      <a:prstDash val="solid"/>
+                      <a:round/>
+                      <a:headEnd type="none" w="med" len="med"/>
+                      <a:tailEnd type="none" w="med" len="med"/>
+                    </a:lnL>
+                    <a:lnR w="9525" cap="flat" cmpd="sng" algn="ctr">
+                      <a:solidFill>
+                        <a:srgbClr val="DFE2E5"/>
+                      </a:solidFill>
+                      <a:prstDash val="solid"/>
+                      <a:round/>
+                      <a:headEnd type="none" w="med" len="med"/>
+                      <a:tailEnd type="none" w="med" len="med"/>
+                    </a:lnR>
+                    <a:lnT w="9525" cap="flat" cmpd="sng" algn="ctr">
+                      <a:solidFill>
+                        <a:srgbClr val="DFE2E5"/>
+                      </a:solidFill>
+                      <a:prstDash val="solid"/>
+                      <a:round/>
+                      <a:headEnd type="none" w="med" len="med"/>
+                      <a:tailEnd type="none" w="med" len="med"/>
+                    </a:lnT>
+                    <a:lnB w="9525" cap="flat" cmpd="sng" algn="ctr">
+                      <a:solidFill>
+                        <a:srgbClr val="DFE2E5"/>
+                      </a:solidFill>
+                      <a:prstDash val="solid"/>
+                      <a:round/>
+                      <a:headEnd type="none" w="med" len="med"/>
+                      <a:tailEnd type="none" w="med" len="med"/>
+                    </a:lnB>
+                    <a:solidFill>
+                      <a:srgbClr val="FFFFFF"/>
+                    </a:solidFill>
+                  </a:tcPr>
+                </a:tc>
+                <a:tc>
+                  <a:txBody>
+                    <a:bodyPr/>
+                    <a:lstStyle/>
+                    <a:p>
+                      <a:r>
+                        <a:rPr lang="en-US" sz="1200" b="1">
+                          <a:effectLst/>
+                        </a:rPr>
+                        <a:t>Zip</a:t>
+                      </a:r>
+                    </a:p>
+                  </a:txBody>
+                  <a:tcPr marL="41569" marR="41569" marT="19186" marB="19186" anchor="ctr">
+                    <a:lnL w="9525" cap="flat" cmpd="sng" algn="ctr">
+                      <a:solidFill>
+                        <a:srgbClr val="DFE2E5"/>
+                      </a:solidFill>
+                      <a:prstDash val="solid"/>
+                      <a:round/>
+                      <a:headEnd type="none" w="med" len="med"/>
+                      <a:tailEnd type="none" w="med" len="med"/>
+                    </a:lnL>
+                    <a:lnR w="9525" cap="flat" cmpd="sng" algn="ctr">
+                      <a:solidFill>
+                        <a:srgbClr val="DFE2E5"/>
+                      </a:solidFill>
+                      <a:prstDash val="solid"/>
+                      <a:round/>
+                      <a:headEnd type="none" w="med" len="med"/>
+                      <a:tailEnd type="none" w="med" len="med"/>
+                    </a:lnR>
+                    <a:lnT w="9525" cap="flat" cmpd="sng" algn="ctr">
+                      <a:solidFill>
+                        <a:srgbClr val="DFE2E5"/>
+                      </a:solidFill>
+                      <a:prstDash val="solid"/>
+                      <a:round/>
+                      <a:headEnd type="none" w="med" len="med"/>
+                      <a:tailEnd type="none" w="med" len="med"/>
+                    </a:lnT>
+                    <a:lnB w="9525" cap="flat" cmpd="sng" algn="ctr">
+                      <a:solidFill>
+                        <a:srgbClr val="DFE2E5"/>
+                      </a:solidFill>
+                      <a:prstDash val="solid"/>
+                      <a:round/>
+                      <a:headEnd type="none" w="med" len="med"/>
+                      <a:tailEnd type="none" w="med" len="med"/>
+                    </a:lnB>
+                    <a:solidFill>
+                      <a:srgbClr val="FFFFFF"/>
+                    </a:solidFill>
+                  </a:tcPr>
+                </a:tc>
+                <a:tc>
+                  <a:txBody>
+                    <a:bodyPr/>
+                    <a:lstStyle/>
+                    <a:p>
+                      <a:r>
+                        <a:rPr lang="en-US" sz="1200" b="1">
+                          <a:effectLst/>
+                        </a:rPr>
+                        <a:t>Inspection Date</a:t>
+                      </a:r>
+                    </a:p>
+                  </a:txBody>
+                  <a:tcPr marL="41569" marR="41569" marT="19186" marB="19186" anchor="ctr">
+                    <a:lnL w="9525" cap="flat" cmpd="sng" algn="ctr">
+                      <a:solidFill>
+                        <a:srgbClr val="DFE2E5"/>
+                      </a:solidFill>
+                      <a:prstDash val="solid"/>
+                      <a:round/>
+                      <a:headEnd type="none" w="med" len="med"/>
+                      <a:tailEnd type="none" w="med" len="med"/>
+                    </a:lnL>
+                    <a:lnR w="9525" cap="flat" cmpd="sng" algn="ctr">
+                      <a:solidFill>
+                        <a:srgbClr val="DFE2E5"/>
+                      </a:solidFill>
+                      <a:prstDash val="solid"/>
+                      <a:round/>
+                      <a:headEnd type="none" w="med" len="med"/>
+                      <a:tailEnd type="none" w="med" len="med"/>
+                    </a:lnR>
+                    <a:lnT w="9525" cap="flat" cmpd="sng" algn="ctr">
+                      <a:solidFill>
+                        <a:srgbClr val="DFE2E5"/>
+                      </a:solidFill>
+                      <a:prstDash val="solid"/>
+                      <a:round/>
+                      <a:headEnd type="none" w="med" len="med"/>
+                      <a:tailEnd type="none" w="med" len="med"/>
+                    </a:lnT>
+                    <a:lnB w="9525" cap="flat" cmpd="sng" algn="ctr">
+                      <a:solidFill>
+                        <a:srgbClr val="DFE2E5"/>
+                      </a:solidFill>
+                      <a:prstDash val="solid"/>
+                      <a:round/>
+                      <a:headEnd type="none" w="med" len="med"/>
+                      <a:tailEnd type="none" w="med" len="med"/>
+                    </a:lnB>
+                    <a:solidFill>
+                      <a:srgbClr val="FFFFFF"/>
+                    </a:solidFill>
+                  </a:tcPr>
+                </a:tc>
+                <a:tc>
+                  <a:txBody>
+                    <a:bodyPr/>
+                    <a:lstStyle/>
+                    <a:p>
+                      <a:r>
+                        <a:rPr lang="en-US" sz="1200" b="1">
+                          <a:effectLst/>
+                        </a:rPr>
+                        <a:t>Inspection Type</a:t>
+                      </a:r>
+                    </a:p>
+                  </a:txBody>
+                  <a:tcPr marL="41569" marR="41569" marT="19186" marB="19186" anchor="ctr">
+                    <a:lnL w="9525" cap="flat" cmpd="sng" algn="ctr">
+                      <a:solidFill>
+                        <a:srgbClr val="DFE2E5"/>
+                      </a:solidFill>
+                      <a:prstDash val="solid"/>
+                      <a:round/>
+                      <a:headEnd type="none" w="med" len="med"/>
+                      <a:tailEnd type="none" w="med" len="med"/>
+                    </a:lnL>
+                    <a:lnR w="9525" cap="flat" cmpd="sng" algn="ctr">
+                      <a:solidFill>
+                        <a:srgbClr val="DFE2E5"/>
+                      </a:solidFill>
+                      <a:prstDash val="solid"/>
+                      <a:round/>
+                      <a:headEnd type="none" w="med" len="med"/>
+                      <a:tailEnd type="none" w="med" len="med"/>
+                    </a:lnR>
+                    <a:lnT w="9525" cap="flat" cmpd="sng" algn="ctr">
+                      <a:solidFill>
+                        <a:srgbClr val="DFE2E5"/>
+                      </a:solidFill>
+                      <a:prstDash val="solid"/>
+                      <a:round/>
+                      <a:headEnd type="none" w="med" len="med"/>
+                      <a:tailEnd type="none" w="med" len="med"/>
+                    </a:lnT>
+                    <a:lnB w="9525" cap="flat" cmpd="sng" algn="ctr">
+                      <a:solidFill>
+                        <a:srgbClr val="DFE2E5"/>
+                      </a:solidFill>
+                      <a:prstDash val="solid"/>
+                      <a:round/>
+                      <a:headEnd type="none" w="med" len="med"/>
+                      <a:tailEnd type="none" w="med" len="med"/>
+                    </a:lnB>
+                    <a:solidFill>
+                      <a:srgbClr val="FFFFFF"/>
+                    </a:solidFill>
+                  </a:tcPr>
+                </a:tc>
+                <a:tc>
+                  <a:txBody>
+                    <a:bodyPr/>
+                    <a:lstStyle/>
+                    <a:p>
+                      <a:r>
+                        <a:rPr lang="en-US" sz="1200" b="1" dirty="0">
+                          <a:effectLst/>
+                        </a:rPr>
+                        <a:t>Results</a:t>
+                      </a:r>
+                    </a:p>
+                  </a:txBody>
+                  <a:tcPr marL="41569" marR="41569" marT="19186" marB="19186" anchor="ctr">
+                    <a:lnL w="9525" cap="flat" cmpd="sng" algn="ctr">
+                      <a:solidFill>
+                        <a:srgbClr val="DFE2E5"/>
+                      </a:solidFill>
+                      <a:prstDash val="solid"/>
+                      <a:round/>
+                      <a:headEnd type="none" w="med" len="med"/>
+                      <a:tailEnd type="none" w="med" len="med"/>
+                    </a:lnL>
+                    <a:lnR w="9525" cap="flat" cmpd="sng" algn="ctr">
+                      <a:solidFill>
+                        <a:srgbClr val="DFE2E5"/>
+                      </a:solidFill>
+                      <a:prstDash val="solid"/>
+                      <a:round/>
+                      <a:headEnd type="none" w="med" len="med"/>
+                      <a:tailEnd type="none" w="med" len="med"/>
+                    </a:lnR>
+                    <a:lnT w="9525" cap="flat" cmpd="sng" algn="ctr">
+                      <a:solidFill>
+                        <a:srgbClr val="DFE2E5"/>
+                      </a:solidFill>
+                      <a:prstDash val="solid"/>
+                      <a:round/>
+                      <a:headEnd type="none" w="med" len="med"/>
+                      <a:tailEnd type="none" w="med" len="med"/>
+                    </a:lnT>
+                    <a:lnB w="9525" cap="flat" cmpd="sng" algn="ctr">
+                      <a:solidFill>
+                        <a:srgbClr val="DFE2E5"/>
+                      </a:solidFill>
+                      <a:prstDash val="solid"/>
+                      <a:round/>
+                      <a:headEnd type="none" w="med" len="med"/>
+                      <a:tailEnd type="none" w="med" len="med"/>
+                    </a:lnB>
+                    <a:solidFill>
+                      <a:srgbClr val="FFFFFF"/>
+                    </a:solidFill>
+                  </a:tcPr>
+                </a:tc>
+                <a:tc>
+                  <a:txBody>
+                    <a:bodyPr/>
+                    <a:lstStyle/>
+                    <a:p>
+                      <a:r>
+                        <a:rPr lang="en-US" sz="1200" b="1">
+                          <a:effectLst/>
+                        </a:rPr>
+                        <a:t>Violations</a:t>
+                      </a:r>
+                    </a:p>
+                  </a:txBody>
+                  <a:tcPr marL="41569" marR="41569" marT="19186" marB="19186" anchor="ctr">
+                    <a:lnL w="9525" cap="flat" cmpd="sng" algn="ctr">
+                      <a:solidFill>
+                        <a:srgbClr val="DFE2E5"/>
+                      </a:solidFill>
+                      <a:prstDash val="solid"/>
+                      <a:round/>
+                      <a:headEnd type="none" w="med" len="med"/>
+                      <a:tailEnd type="none" w="med" len="med"/>
+                    </a:lnL>
+                    <a:lnR w="9525" cap="flat" cmpd="sng" algn="ctr">
+                      <a:solidFill>
+                        <a:srgbClr val="DFE2E5"/>
+                      </a:solidFill>
+                      <a:prstDash val="solid"/>
+                      <a:round/>
+                      <a:headEnd type="none" w="med" len="med"/>
+                      <a:tailEnd type="none" w="med" len="med"/>
+                    </a:lnR>
+                    <a:lnT w="9525" cap="flat" cmpd="sng" algn="ctr">
+                      <a:solidFill>
+                        <a:srgbClr val="DFE2E5"/>
+                      </a:solidFill>
+                      <a:prstDash val="solid"/>
+                      <a:round/>
+                      <a:headEnd type="none" w="med" len="med"/>
+                      <a:tailEnd type="none" w="med" len="med"/>
+                    </a:lnT>
+                    <a:lnB w="9525" cap="flat" cmpd="sng" algn="ctr">
+                      <a:solidFill>
+                        <a:srgbClr val="DFE2E5"/>
+                      </a:solidFill>
+                      <a:prstDash val="solid"/>
+                      <a:round/>
+                      <a:headEnd type="none" w="med" len="med"/>
+                      <a:tailEnd type="none" w="med" len="med"/>
+                    </a:lnB>
+                    <a:solidFill>
+                      <a:srgbClr val="FFFFFF"/>
+                    </a:solidFill>
+                  </a:tcPr>
+                </a:tc>
+                <a:tc>
+                  <a:txBody>
+                    <a:bodyPr/>
+                    <a:lstStyle/>
+                    <a:p>
+                      <a:r>
+                        <a:rPr lang="en-US" sz="1200" b="1">
+                          <a:effectLst/>
+                        </a:rPr>
+                        <a:t>Latitude</a:t>
+                      </a:r>
+                    </a:p>
+                  </a:txBody>
+                  <a:tcPr marL="41569" marR="41569" marT="19186" marB="19186" anchor="ctr">
+                    <a:lnL w="9525" cap="flat" cmpd="sng" algn="ctr">
+                      <a:solidFill>
+                        <a:srgbClr val="DFE2E5"/>
+                      </a:solidFill>
+                      <a:prstDash val="solid"/>
+                      <a:round/>
+                      <a:headEnd type="none" w="med" len="med"/>
+                      <a:tailEnd type="none" w="med" len="med"/>
+                    </a:lnL>
+                    <a:lnR w="9525" cap="flat" cmpd="sng" algn="ctr">
+                      <a:solidFill>
+                        <a:srgbClr val="DFE2E5"/>
+                      </a:solidFill>
+                      <a:prstDash val="solid"/>
+                      <a:round/>
+                      <a:headEnd type="none" w="med" len="med"/>
+                      <a:tailEnd type="none" w="med" len="med"/>
+                    </a:lnR>
+                    <a:lnT w="9525" cap="flat" cmpd="sng" algn="ctr">
+                      <a:solidFill>
+                        <a:srgbClr val="DFE2E5"/>
+                      </a:solidFill>
+                      <a:prstDash val="solid"/>
+                      <a:round/>
+                      <a:headEnd type="none" w="med" len="med"/>
+                      <a:tailEnd type="none" w="med" len="med"/>
+                    </a:lnT>
+                    <a:lnB w="9525" cap="flat" cmpd="sng" algn="ctr">
+                      <a:solidFill>
+                        <a:srgbClr val="DFE2E5"/>
+                      </a:solidFill>
+                      <a:prstDash val="solid"/>
+                      <a:round/>
+                      <a:headEnd type="none" w="med" len="med"/>
+                      <a:tailEnd type="none" w="med" len="med"/>
+                    </a:lnB>
+                    <a:solidFill>
+                      <a:srgbClr val="FFFFFF"/>
+                    </a:solidFill>
+                  </a:tcPr>
+                </a:tc>
+                <a:tc>
+                  <a:txBody>
+                    <a:bodyPr/>
+                    <a:lstStyle/>
+                    <a:p>
+                      <a:r>
+                        <a:rPr lang="en-US" sz="1200" b="1">
+                          <a:effectLst/>
+                        </a:rPr>
+                        <a:t>Longitude</a:t>
+                      </a:r>
+                    </a:p>
+                  </a:txBody>
+                  <a:tcPr marL="41569" marR="41569" marT="19186" marB="19186" anchor="ctr">
+                    <a:lnL w="9525" cap="flat" cmpd="sng" algn="ctr">
+                      <a:solidFill>
+                        <a:srgbClr val="DFE2E5"/>
+                      </a:solidFill>
+                      <a:prstDash val="solid"/>
+                      <a:round/>
+                      <a:headEnd type="none" w="med" len="med"/>
+                      <a:tailEnd type="none" w="med" len="med"/>
+                    </a:lnL>
+                    <a:lnR w="9525" cap="flat" cmpd="sng" algn="ctr">
+                      <a:solidFill>
+                        <a:srgbClr val="DFE2E5"/>
+                      </a:solidFill>
+                      <a:prstDash val="solid"/>
+                      <a:round/>
+                      <a:headEnd type="none" w="med" len="med"/>
+                      <a:tailEnd type="none" w="med" len="med"/>
+                    </a:lnR>
+                    <a:lnT w="9525" cap="flat" cmpd="sng" algn="ctr">
+                      <a:solidFill>
+                        <a:srgbClr val="DFE2E5"/>
+                      </a:solidFill>
+                      <a:prstDash val="solid"/>
+                      <a:round/>
+                      <a:headEnd type="none" w="med" len="med"/>
+                      <a:tailEnd type="none" w="med" len="med"/>
+                    </a:lnT>
+                    <a:lnB w="9525" cap="flat" cmpd="sng" algn="ctr">
+                      <a:solidFill>
+                        <a:srgbClr val="DFE2E5"/>
+                      </a:solidFill>
+                      <a:prstDash val="solid"/>
+                      <a:round/>
+                      <a:headEnd type="none" w="med" len="med"/>
+                      <a:tailEnd type="none" w="med" len="med"/>
+                    </a:lnB>
+                    <a:solidFill>
+                      <a:srgbClr val="FFFFFF"/>
+                    </a:solidFill>
+                  </a:tcPr>
+                </a:tc>
+                <a:tc>
+                  <a:txBody>
+                    <a:bodyPr/>
+                    <a:lstStyle/>
+                    <a:p>
+                      <a:r>
+                        <a:rPr lang="en-US" sz="1200" b="1">
+                          <a:effectLst/>
+                        </a:rPr>
+                        <a:t>Location</a:t>
+                      </a:r>
+                    </a:p>
+                  </a:txBody>
+                  <a:tcPr marL="41569" marR="41569" marT="19186" marB="19186" anchor="ctr">
+                    <a:lnL w="9525" cap="flat" cmpd="sng" algn="ctr">
+                      <a:solidFill>
+                        <a:srgbClr val="DFE2E5"/>
+                      </a:solidFill>
+                      <a:prstDash val="solid"/>
+                      <a:round/>
+                      <a:headEnd type="none" w="med" len="med"/>
+                      <a:tailEnd type="none" w="med" len="med"/>
+                    </a:lnL>
+                    <a:lnR w="9525" cap="flat" cmpd="sng" algn="ctr">
+                      <a:solidFill>
+                        <a:srgbClr val="DFE2E5"/>
+                      </a:solidFill>
+                      <a:prstDash val="solid"/>
+                      <a:round/>
+                      <a:headEnd type="none" w="med" len="med"/>
+                      <a:tailEnd type="none" w="med" len="med"/>
+                    </a:lnR>
+                    <a:lnT w="9525" cap="flat" cmpd="sng" algn="ctr">
+                      <a:solidFill>
+                        <a:srgbClr val="DFE2E5"/>
+                      </a:solidFill>
+                      <a:prstDash val="solid"/>
+                      <a:round/>
+                      <a:headEnd type="none" w="med" len="med"/>
+                      <a:tailEnd type="none" w="med" len="med"/>
+                    </a:lnT>
+                    <a:lnB w="9525" cap="flat" cmpd="sng" algn="ctr">
+                      <a:solidFill>
+                        <a:srgbClr val="DFE2E5"/>
+                      </a:solidFill>
+                      <a:prstDash val="solid"/>
+                      <a:round/>
+                      <a:headEnd type="none" w="med" len="med"/>
+                      <a:tailEnd type="none" w="med" len="med"/>
+                    </a:lnB>
+                    <a:solidFill>
+                      <a:srgbClr val="FFFFFF"/>
+                    </a:solidFill>
+                  </a:tcPr>
+                </a:tc>
+                <a:extLst>
+                  <a:ext uri="{0D108BD9-81ED-4DB2-BD59-A6C34878D82A}">
+                    <a16:rowId xmlns:a16="http://schemas.microsoft.com/office/drawing/2014/main" val="1092240002"/>
+                  </a:ext>
+                </a:extLst>
+              </a:tr>
+              <a:tr h="1341250">
+                <a:tc>
+                  <a:txBody>
+                    <a:bodyPr/>
+                    <a:lstStyle/>
+                    <a:p>
+                      <a:r>
+                        <a:rPr lang="en-US" sz="1200">
+                          <a:effectLst/>
+                        </a:rPr>
+                        <a:t>2320831</a:t>
+                      </a:r>
+                    </a:p>
+                  </a:txBody>
+                  <a:tcPr marL="41569" marR="41569" marT="19186" marB="19186" anchor="ctr">
+                    <a:lnL w="9525" cap="flat" cmpd="sng" algn="ctr">
+                      <a:solidFill>
+                        <a:srgbClr val="DFE2E5"/>
+                      </a:solidFill>
+                      <a:prstDash val="solid"/>
+                      <a:round/>
+                      <a:headEnd type="none" w="med" len="med"/>
+                      <a:tailEnd type="none" w="med" len="med"/>
+                    </a:lnL>
+                    <a:lnR w="9525" cap="flat" cmpd="sng" algn="ctr">
+                      <a:solidFill>
+                        <a:srgbClr val="DFE2E5"/>
+                      </a:solidFill>
+                      <a:prstDash val="solid"/>
+                      <a:round/>
+                      <a:headEnd type="none" w="med" len="med"/>
+                      <a:tailEnd type="none" w="med" len="med"/>
+                    </a:lnR>
+                    <a:lnT w="9525" cap="flat" cmpd="sng" algn="ctr">
+                      <a:solidFill>
+                        <a:srgbClr val="DFE2E5"/>
+                      </a:solidFill>
+                      <a:prstDash val="solid"/>
+                      <a:round/>
+                      <a:headEnd type="none" w="med" len="med"/>
+                      <a:tailEnd type="none" w="med" len="med"/>
+                    </a:lnT>
+                    <a:lnB w="9525" cap="flat" cmpd="sng" algn="ctr">
+                      <a:solidFill>
+                        <a:srgbClr val="DFE2E5"/>
+                      </a:solidFill>
+                      <a:prstDash val="solid"/>
+                      <a:round/>
+                      <a:headEnd type="none" w="med" len="med"/>
+                      <a:tailEnd type="none" w="med" len="med"/>
+                    </a:lnB>
+                    <a:solidFill>
+                      <a:srgbClr val="FFFFFF"/>
+                    </a:solidFill>
+                  </a:tcPr>
+                </a:tc>
+                <a:tc>
+                  <a:txBody>
+                    <a:bodyPr/>
+                    <a:lstStyle/>
+                    <a:p>
+                      <a:r>
+                        <a:rPr lang="en-US" sz="1200">
+                          <a:effectLst/>
+                        </a:rPr>
+                        <a:t>OGDEN PLAZA INC.</a:t>
+                      </a:r>
+                    </a:p>
+                  </a:txBody>
+                  <a:tcPr marL="41569" marR="41569" marT="19186" marB="19186" anchor="ctr">
+                    <a:lnL w="9525" cap="flat" cmpd="sng" algn="ctr">
+                      <a:solidFill>
+                        <a:srgbClr val="DFE2E5"/>
+                      </a:solidFill>
+                      <a:prstDash val="solid"/>
+                      <a:round/>
+                      <a:headEnd type="none" w="med" len="med"/>
+                      <a:tailEnd type="none" w="med" len="med"/>
+                    </a:lnL>
+                    <a:lnR w="9525" cap="flat" cmpd="sng" algn="ctr">
+                      <a:solidFill>
+                        <a:srgbClr val="DFE2E5"/>
+                      </a:solidFill>
+                      <a:prstDash val="solid"/>
+                      <a:round/>
+                      <a:headEnd type="none" w="med" len="med"/>
+                      <a:tailEnd type="none" w="med" len="med"/>
+                    </a:lnR>
+                    <a:lnT w="9525" cap="flat" cmpd="sng" algn="ctr">
+                      <a:solidFill>
+                        <a:srgbClr val="DFE2E5"/>
+                      </a:solidFill>
+                      <a:prstDash val="solid"/>
+                      <a:round/>
+                      <a:headEnd type="none" w="med" len="med"/>
+                      <a:tailEnd type="none" w="med" len="med"/>
+                    </a:lnT>
+                    <a:lnB w="9525" cap="flat" cmpd="sng" algn="ctr">
+                      <a:solidFill>
+                        <a:srgbClr val="DFE2E5"/>
+                      </a:solidFill>
+                      <a:prstDash val="solid"/>
+                      <a:round/>
+                      <a:headEnd type="none" w="med" len="med"/>
+                      <a:tailEnd type="none" w="med" len="med"/>
+                    </a:lnB>
+                    <a:solidFill>
+                      <a:srgbClr val="FFFFFF"/>
+                    </a:solidFill>
+                  </a:tcPr>
+                </a:tc>
+                <a:tc>
+                  <a:txBody>
+                    <a:bodyPr/>
+                    <a:lstStyle/>
+                    <a:p>
+                      <a:r>
+                        <a:rPr lang="en-US" sz="1200">
+                          <a:effectLst/>
+                        </a:rPr>
+                        <a:t>OGDEN PLAZA INC.</a:t>
+                      </a:r>
+                    </a:p>
+                  </a:txBody>
+                  <a:tcPr marL="41569" marR="41569" marT="19186" marB="19186" anchor="ctr">
+                    <a:lnL w="9525" cap="flat" cmpd="sng" algn="ctr">
+                      <a:solidFill>
+                        <a:srgbClr val="DFE2E5"/>
+                      </a:solidFill>
+                      <a:prstDash val="solid"/>
+                      <a:round/>
+                      <a:headEnd type="none" w="med" len="med"/>
+                      <a:tailEnd type="none" w="med" len="med"/>
+                    </a:lnL>
+                    <a:lnR w="9525" cap="flat" cmpd="sng" algn="ctr">
+                      <a:solidFill>
+                        <a:srgbClr val="DFE2E5"/>
+                      </a:solidFill>
+                      <a:prstDash val="solid"/>
+                      <a:round/>
+                      <a:headEnd type="none" w="med" len="med"/>
+                      <a:tailEnd type="none" w="med" len="med"/>
+                    </a:lnR>
+                    <a:lnT w="9525" cap="flat" cmpd="sng" algn="ctr">
+                      <a:solidFill>
+                        <a:srgbClr val="DFE2E5"/>
+                      </a:solidFill>
+                      <a:prstDash val="solid"/>
+                      <a:round/>
+                      <a:headEnd type="none" w="med" len="med"/>
+                      <a:tailEnd type="none" w="med" len="med"/>
+                    </a:lnT>
+                    <a:lnB w="9525" cap="flat" cmpd="sng" algn="ctr">
+                      <a:solidFill>
+                        <a:srgbClr val="DFE2E5"/>
+                      </a:solidFill>
+                      <a:prstDash val="solid"/>
+                      <a:round/>
+                      <a:headEnd type="none" w="med" len="med"/>
+                      <a:tailEnd type="none" w="med" len="med"/>
+                    </a:lnB>
+                    <a:solidFill>
+                      <a:srgbClr val="FFFFFF"/>
+                    </a:solidFill>
+                  </a:tcPr>
+                </a:tc>
+                <a:tc>
+                  <a:txBody>
+                    <a:bodyPr/>
+                    <a:lstStyle/>
+                    <a:p>
+                      <a:r>
+                        <a:rPr lang="en-US" sz="1200">
+                          <a:effectLst/>
+                        </a:rPr>
+                        <a:t>2475982.0</a:t>
+                      </a:r>
+                    </a:p>
+                  </a:txBody>
+                  <a:tcPr marL="41569" marR="41569" marT="19186" marB="19186" anchor="ctr">
+                    <a:lnL w="9525" cap="flat" cmpd="sng" algn="ctr">
+                      <a:solidFill>
+                        <a:srgbClr val="DFE2E5"/>
+                      </a:solidFill>
+                      <a:prstDash val="solid"/>
+                      <a:round/>
+                      <a:headEnd type="none" w="med" len="med"/>
+                      <a:tailEnd type="none" w="med" len="med"/>
+                    </a:lnL>
+                    <a:lnR w="9525" cap="flat" cmpd="sng" algn="ctr">
+                      <a:solidFill>
+                        <a:srgbClr val="DFE2E5"/>
+                      </a:solidFill>
+                      <a:prstDash val="solid"/>
+                      <a:round/>
+                      <a:headEnd type="none" w="med" len="med"/>
+                      <a:tailEnd type="none" w="med" len="med"/>
+                    </a:lnR>
+                    <a:lnT w="9525" cap="flat" cmpd="sng" algn="ctr">
+                      <a:solidFill>
+                        <a:srgbClr val="DFE2E5"/>
+                      </a:solidFill>
+                      <a:prstDash val="solid"/>
+                      <a:round/>
+                      <a:headEnd type="none" w="med" len="med"/>
+                      <a:tailEnd type="none" w="med" len="med"/>
+                    </a:lnT>
+                    <a:lnB w="9525" cap="flat" cmpd="sng" algn="ctr">
+                      <a:solidFill>
+                        <a:srgbClr val="DFE2E5"/>
+                      </a:solidFill>
+                      <a:prstDash val="solid"/>
+                      <a:round/>
+                      <a:headEnd type="none" w="med" len="med"/>
+                      <a:tailEnd type="none" w="med" len="med"/>
+                    </a:lnB>
+                    <a:solidFill>
+                      <a:srgbClr val="FFFFFF"/>
+                    </a:solidFill>
+                  </a:tcPr>
+                </a:tc>
+                <a:tc>
+                  <a:txBody>
+                    <a:bodyPr/>
+                    <a:lstStyle/>
+                    <a:p>
+                      <a:r>
+                        <a:rPr lang="en-US" sz="1200">
+                          <a:effectLst/>
+                        </a:rPr>
+                        <a:t>Grocery Store</a:t>
+                      </a:r>
+                    </a:p>
+                  </a:txBody>
+                  <a:tcPr marL="41569" marR="41569" marT="19186" marB="19186" anchor="ctr">
+                    <a:lnL w="9525" cap="flat" cmpd="sng" algn="ctr">
+                      <a:solidFill>
+                        <a:srgbClr val="DFE2E5"/>
+                      </a:solidFill>
+                      <a:prstDash val="solid"/>
+                      <a:round/>
+                      <a:headEnd type="none" w="med" len="med"/>
+                      <a:tailEnd type="none" w="med" len="med"/>
+                    </a:lnL>
+                    <a:lnR w="9525" cap="flat" cmpd="sng" algn="ctr">
+                      <a:solidFill>
+                        <a:srgbClr val="DFE2E5"/>
+                      </a:solidFill>
+                      <a:prstDash val="solid"/>
+                      <a:round/>
+                      <a:headEnd type="none" w="med" len="med"/>
+                      <a:tailEnd type="none" w="med" len="med"/>
+                    </a:lnR>
+                    <a:lnT w="9525" cap="flat" cmpd="sng" algn="ctr">
+                      <a:solidFill>
+                        <a:srgbClr val="DFE2E5"/>
+                      </a:solidFill>
+                      <a:prstDash val="solid"/>
+                      <a:round/>
+                      <a:headEnd type="none" w="med" len="med"/>
+                      <a:tailEnd type="none" w="med" len="med"/>
+                    </a:lnT>
+                    <a:lnB w="9525" cap="flat" cmpd="sng" algn="ctr">
+                      <a:solidFill>
+                        <a:srgbClr val="DFE2E5"/>
+                      </a:solidFill>
+                      <a:prstDash val="solid"/>
+                      <a:round/>
+                      <a:headEnd type="none" w="med" len="med"/>
+                      <a:tailEnd type="none" w="med" len="med"/>
+                    </a:lnB>
+                    <a:solidFill>
+                      <a:srgbClr val="FFFFFF"/>
+                    </a:solidFill>
+                  </a:tcPr>
+                </a:tc>
+                <a:tc>
+                  <a:txBody>
+                    <a:bodyPr/>
+                    <a:lstStyle/>
+                    <a:p>
+                      <a:r>
+                        <a:rPr lang="en-US" sz="1200">
+                          <a:effectLst/>
+                        </a:rPr>
+                        <a:t>Risk 3 (Low)</a:t>
+                      </a:r>
+                    </a:p>
+                  </a:txBody>
+                  <a:tcPr marL="41569" marR="41569" marT="19186" marB="19186" anchor="ctr">
+                    <a:lnL w="9525" cap="flat" cmpd="sng" algn="ctr">
+                      <a:solidFill>
+                        <a:srgbClr val="DFE2E5"/>
+                      </a:solidFill>
+                      <a:prstDash val="solid"/>
+                      <a:round/>
+                      <a:headEnd type="none" w="med" len="med"/>
+                      <a:tailEnd type="none" w="med" len="med"/>
+                    </a:lnL>
+                    <a:lnR w="9525" cap="flat" cmpd="sng" algn="ctr">
+                      <a:solidFill>
+                        <a:srgbClr val="DFE2E5"/>
+                      </a:solidFill>
+                      <a:prstDash val="solid"/>
+                      <a:round/>
+                      <a:headEnd type="none" w="med" len="med"/>
+                      <a:tailEnd type="none" w="med" len="med"/>
+                    </a:lnR>
+                    <a:lnT w="9525" cap="flat" cmpd="sng" algn="ctr">
+                      <a:solidFill>
+                        <a:srgbClr val="DFE2E5"/>
+                      </a:solidFill>
+                      <a:prstDash val="solid"/>
+                      <a:round/>
+                      <a:headEnd type="none" w="med" len="med"/>
+                      <a:tailEnd type="none" w="med" len="med"/>
+                    </a:lnT>
+                    <a:lnB w="9525" cap="flat" cmpd="sng" algn="ctr">
+                      <a:solidFill>
+                        <a:srgbClr val="DFE2E5"/>
+                      </a:solidFill>
+                      <a:prstDash val="solid"/>
+                      <a:round/>
+                      <a:headEnd type="none" w="med" len="med"/>
+                      <a:tailEnd type="none" w="med" len="med"/>
+                    </a:lnB>
+                    <a:solidFill>
+                      <a:srgbClr val="FFFFFF"/>
+                    </a:solidFill>
+                  </a:tcPr>
+                </a:tc>
+                <a:tc>
+                  <a:txBody>
+                    <a:bodyPr/>
+                    <a:lstStyle/>
+                    <a:p>
+                      <a:r>
+                        <a:rPr lang="en-US" sz="1200">
+                          <a:effectLst/>
+                        </a:rPr>
+                        <a:t>3459 W OGDEN AVE</a:t>
+                      </a:r>
+                    </a:p>
+                  </a:txBody>
+                  <a:tcPr marL="41569" marR="41569" marT="19186" marB="19186" anchor="ctr">
+                    <a:lnL w="9525" cap="flat" cmpd="sng" algn="ctr">
+                      <a:solidFill>
+                        <a:srgbClr val="DFE2E5"/>
+                      </a:solidFill>
+                      <a:prstDash val="solid"/>
+                      <a:round/>
+                      <a:headEnd type="none" w="med" len="med"/>
+                      <a:tailEnd type="none" w="med" len="med"/>
+                    </a:lnL>
+                    <a:lnR w="9525" cap="flat" cmpd="sng" algn="ctr">
+                      <a:solidFill>
+                        <a:srgbClr val="DFE2E5"/>
+                      </a:solidFill>
+                      <a:prstDash val="solid"/>
+                      <a:round/>
+                      <a:headEnd type="none" w="med" len="med"/>
+                      <a:tailEnd type="none" w="med" len="med"/>
+                    </a:lnR>
+                    <a:lnT w="9525" cap="flat" cmpd="sng" algn="ctr">
+                      <a:solidFill>
+                        <a:srgbClr val="DFE2E5"/>
+                      </a:solidFill>
+                      <a:prstDash val="solid"/>
+                      <a:round/>
+                      <a:headEnd type="none" w="med" len="med"/>
+                      <a:tailEnd type="none" w="med" len="med"/>
+                    </a:lnT>
+                    <a:lnB w="9525" cap="flat" cmpd="sng" algn="ctr">
+                      <a:solidFill>
+                        <a:srgbClr val="DFE2E5"/>
+                      </a:solidFill>
+                      <a:prstDash val="solid"/>
+                      <a:round/>
+                      <a:headEnd type="none" w="med" len="med"/>
+                      <a:tailEnd type="none" w="med" len="med"/>
+                    </a:lnB>
+                    <a:solidFill>
+                      <a:srgbClr val="FFFFFF"/>
+                    </a:solidFill>
+                  </a:tcPr>
+                </a:tc>
+                <a:tc>
+                  <a:txBody>
+                    <a:bodyPr/>
+                    <a:lstStyle/>
+                    <a:p>
+                      <a:r>
+                        <a:rPr lang="en-US" sz="1200">
+                          <a:effectLst/>
+                        </a:rPr>
+                        <a:t>CHICAGO</a:t>
+                      </a:r>
+                    </a:p>
+                  </a:txBody>
+                  <a:tcPr marL="41569" marR="41569" marT="19186" marB="19186" anchor="ctr">
+                    <a:lnL w="9525" cap="flat" cmpd="sng" algn="ctr">
+                      <a:solidFill>
+                        <a:srgbClr val="DFE2E5"/>
+                      </a:solidFill>
+                      <a:prstDash val="solid"/>
+                      <a:round/>
+                      <a:headEnd type="none" w="med" len="med"/>
+                      <a:tailEnd type="none" w="med" len="med"/>
+                    </a:lnL>
+                    <a:lnR w="9525" cap="flat" cmpd="sng" algn="ctr">
+                      <a:solidFill>
+                        <a:srgbClr val="DFE2E5"/>
+                      </a:solidFill>
+                      <a:prstDash val="solid"/>
+                      <a:round/>
+                      <a:headEnd type="none" w="med" len="med"/>
+                      <a:tailEnd type="none" w="med" len="med"/>
+                    </a:lnR>
+                    <a:lnT w="9525" cap="flat" cmpd="sng" algn="ctr">
+                      <a:solidFill>
+                        <a:srgbClr val="DFE2E5"/>
+                      </a:solidFill>
+                      <a:prstDash val="solid"/>
+                      <a:round/>
+                      <a:headEnd type="none" w="med" len="med"/>
+                      <a:tailEnd type="none" w="med" len="med"/>
+                    </a:lnT>
+                    <a:lnB w="9525" cap="flat" cmpd="sng" algn="ctr">
+                      <a:solidFill>
+                        <a:srgbClr val="DFE2E5"/>
+                      </a:solidFill>
+                      <a:prstDash val="solid"/>
+                      <a:round/>
+                      <a:headEnd type="none" w="med" len="med"/>
+                      <a:tailEnd type="none" w="med" len="med"/>
+                    </a:lnB>
+                    <a:solidFill>
+                      <a:srgbClr val="FFFFFF"/>
+                    </a:solidFill>
+                  </a:tcPr>
+                </a:tc>
+                <a:tc>
+                  <a:txBody>
+                    <a:bodyPr/>
+                    <a:lstStyle/>
+                    <a:p>
+                      <a:r>
+                        <a:rPr lang="en-US" sz="1200" dirty="0">
+                          <a:effectLst/>
+                        </a:rPr>
+                        <a:t>IL</a:t>
+                      </a:r>
+                    </a:p>
+                  </a:txBody>
+                  <a:tcPr marL="41569" marR="41569" marT="19186" marB="19186" anchor="ctr">
+                    <a:lnL w="9525" cap="flat" cmpd="sng" algn="ctr">
+                      <a:solidFill>
+                        <a:srgbClr val="DFE2E5"/>
+                      </a:solidFill>
+                      <a:prstDash val="solid"/>
+                      <a:round/>
+                      <a:headEnd type="none" w="med" len="med"/>
+                      <a:tailEnd type="none" w="med" len="med"/>
+                    </a:lnL>
+                    <a:lnR w="9525" cap="flat" cmpd="sng" algn="ctr">
+                      <a:solidFill>
+                        <a:srgbClr val="DFE2E5"/>
+                      </a:solidFill>
+                      <a:prstDash val="solid"/>
+                      <a:round/>
+                      <a:headEnd type="none" w="med" len="med"/>
+                      <a:tailEnd type="none" w="med" len="med"/>
+                    </a:lnR>
+                    <a:lnT w="9525" cap="flat" cmpd="sng" algn="ctr">
+                      <a:solidFill>
+                        <a:srgbClr val="DFE2E5"/>
+                      </a:solidFill>
+                      <a:prstDash val="solid"/>
+                      <a:round/>
+                      <a:headEnd type="none" w="med" len="med"/>
+                      <a:tailEnd type="none" w="med" len="med"/>
+                    </a:lnT>
+                    <a:lnB w="9525" cap="flat" cmpd="sng" algn="ctr">
+                      <a:solidFill>
+                        <a:srgbClr val="DFE2E5"/>
+                      </a:solidFill>
+                      <a:prstDash val="solid"/>
+                      <a:round/>
+                      <a:headEnd type="none" w="med" len="med"/>
+                      <a:tailEnd type="none" w="med" len="med"/>
+                    </a:lnB>
+                    <a:solidFill>
+                      <a:srgbClr val="FFFFFF"/>
+                    </a:solidFill>
+                  </a:tcPr>
+                </a:tc>
+                <a:tc>
+                  <a:txBody>
+                    <a:bodyPr/>
+                    <a:lstStyle/>
+                    <a:p>
+                      <a:r>
+                        <a:rPr lang="en-US" sz="1200">
+                          <a:effectLst/>
+                        </a:rPr>
+                        <a:t>60623.0</a:t>
+                      </a:r>
+                    </a:p>
+                  </a:txBody>
+                  <a:tcPr marL="41569" marR="41569" marT="19186" marB="19186" anchor="ctr">
+                    <a:lnL w="9525" cap="flat" cmpd="sng" algn="ctr">
+                      <a:solidFill>
+                        <a:srgbClr val="DFE2E5"/>
+                      </a:solidFill>
+                      <a:prstDash val="solid"/>
+                      <a:round/>
+                      <a:headEnd type="none" w="med" len="med"/>
+                      <a:tailEnd type="none" w="med" len="med"/>
+                    </a:lnL>
+                    <a:lnR w="9525" cap="flat" cmpd="sng" algn="ctr">
+                      <a:solidFill>
+                        <a:srgbClr val="DFE2E5"/>
+                      </a:solidFill>
+                      <a:prstDash val="solid"/>
+                      <a:round/>
+                      <a:headEnd type="none" w="med" len="med"/>
+                      <a:tailEnd type="none" w="med" len="med"/>
+                    </a:lnR>
+                    <a:lnT w="9525" cap="flat" cmpd="sng" algn="ctr">
+                      <a:solidFill>
+                        <a:srgbClr val="DFE2E5"/>
+                      </a:solidFill>
+                      <a:prstDash val="solid"/>
+                      <a:round/>
+                      <a:headEnd type="none" w="med" len="med"/>
+                      <a:tailEnd type="none" w="med" len="med"/>
+                    </a:lnT>
+                    <a:lnB w="9525" cap="flat" cmpd="sng" algn="ctr">
+                      <a:solidFill>
+                        <a:srgbClr val="DFE2E5"/>
+                      </a:solidFill>
+                      <a:prstDash val="solid"/>
+                      <a:round/>
+                      <a:headEnd type="none" w="med" len="med"/>
+                      <a:tailEnd type="none" w="med" len="med"/>
+                    </a:lnB>
+                    <a:solidFill>
+                      <a:srgbClr val="FFFFFF"/>
+                    </a:solidFill>
+                  </a:tcPr>
+                </a:tc>
+                <a:tc>
+                  <a:txBody>
+                    <a:bodyPr/>
+                    <a:lstStyle/>
+                    <a:p>
+                      <a:r>
+                        <a:rPr lang="en-US" sz="1200">
+                          <a:effectLst/>
+                        </a:rPr>
+                        <a:t>10/31/19</a:t>
+                      </a:r>
+                    </a:p>
+                  </a:txBody>
+                  <a:tcPr marL="41569" marR="41569" marT="19186" marB="19186" anchor="ctr">
+                    <a:lnL w="9525" cap="flat" cmpd="sng" algn="ctr">
+                      <a:solidFill>
+                        <a:srgbClr val="DFE2E5"/>
+                      </a:solidFill>
+                      <a:prstDash val="solid"/>
+                      <a:round/>
+                      <a:headEnd type="none" w="med" len="med"/>
+                      <a:tailEnd type="none" w="med" len="med"/>
+                    </a:lnL>
+                    <a:lnR w="9525" cap="flat" cmpd="sng" algn="ctr">
+                      <a:solidFill>
+                        <a:srgbClr val="DFE2E5"/>
+                      </a:solidFill>
+                      <a:prstDash val="solid"/>
+                      <a:round/>
+                      <a:headEnd type="none" w="med" len="med"/>
+                      <a:tailEnd type="none" w="med" len="med"/>
+                    </a:lnR>
+                    <a:lnT w="9525" cap="flat" cmpd="sng" algn="ctr">
+                      <a:solidFill>
+                        <a:srgbClr val="DFE2E5"/>
+                      </a:solidFill>
+                      <a:prstDash val="solid"/>
+                      <a:round/>
+                      <a:headEnd type="none" w="med" len="med"/>
+                      <a:tailEnd type="none" w="med" len="med"/>
+                    </a:lnT>
+                    <a:lnB w="9525" cap="flat" cmpd="sng" algn="ctr">
+                      <a:solidFill>
+                        <a:srgbClr val="DFE2E5"/>
+                      </a:solidFill>
+                      <a:prstDash val="solid"/>
+                      <a:round/>
+                      <a:headEnd type="none" w="med" len="med"/>
+                      <a:tailEnd type="none" w="med" len="med"/>
+                    </a:lnB>
+                    <a:solidFill>
+                      <a:srgbClr val="FFFFFF"/>
+                    </a:solidFill>
+                  </a:tcPr>
+                </a:tc>
+                <a:tc>
+                  <a:txBody>
+                    <a:bodyPr/>
+                    <a:lstStyle/>
+                    <a:p>
+                      <a:r>
+                        <a:rPr lang="en-US" sz="1200">
+                          <a:effectLst/>
+                        </a:rPr>
+                        <a:t>Canvass</a:t>
+                      </a:r>
+                    </a:p>
+                  </a:txBody>
+                  <a:tcPr marL="41569" marR="41569" marT="19186" marB="19186" anchor="ctr">
+                    <a:lnL w="9525" cap="flat" cmpd="sng" algn="ctr">
+                      <a:solidFill>
+                        <a:srgbClr val="DFE2E5"/>
+                      </a:solidFill>
+                      <a:prstDash val="solid"/>
+                      <a:round/>
+                      <a:headEnd type="none" w="med" len="med"/>
+                      <a:tailEnd type="none" w="med" len="med"/>
+                    </a:lnL>
+                    <a:lnR w="9525" cap="flat" cmpd="sng" algn="ctr">
+                      <a:solidFill>
+                        <a:srgbClr val="DFE2E5"/>
+                      </a:solidFill>
+                      <a:prstDash val="solid"/>
+                      <a:round/>
+                      <a:headEnd type="none" w="med" len="med"/>
+                      <a:tailEnd type="none" w="med" len="med"/>
+                    </a:lnR>
+                    <a:lnT w="9525" cap="flat" cmpd="sng" algn="ctr">
+                      <a:solidFill>
+                        <a:srgbClr val="DFE2E5"/>
+                      </a:solidFill>
+                      <a:prstDash val="solid"/>
+                      <a:round/>
+                      <a:headEnd type="none" w="med" len="med"/>
+                      <a:tailEnd type="none" w="med" len="med"/>
+                    </a:lnT>
+                    <a:lnB w="9525" cap="flat" cmpd="sng" algn="ctr">
+                      <a:solidFill>
+                        <a:srgbClr val="DFE2E5"/>
+                      </a:solidFill>
+                      <a:prstDash val="solid"/>
+                      <a:round/>
+                      <a:headEnd type="none" w="med" len="med"/>
+                      <a:tailEnd type="none" w="med" len="med"/>
+                    </a:lnB>
+                    <a:solidFill>
+                      <a:srgbClr val="FFFFFF"/>
+                    </a:solidFill>
+                  </a:tcPr>
+                </a:tc>
+                <a:tc>
+                  <a:txBody>
+                    <a:bodyPr/>
+                    <a:lstStyle/>
+                    <a:p>
+                      <a:r>
+                        <a:rPr lang="en-US" sz="1200">
+                          <a:effectLst/>
+                        </a:rPr>
+                        <a:t>Out of Business</a:t>
+                      </a:r>
+                    </a:p>
+                  </a:txBody>
+                  <a:tcPr marL="41569" marR="41569" marT="19186" marB="19186" anchor="ctr">
+                    <a:lnL w="9525" cap="flat" cmpd="sng" algn="ctr">
+                      <a:solidFill>
+                        <a:srgbClr val="DFE2E5"/>
+                      </a:solidFill>
+                      <a:prstDash val="solid"/>
+                      <a:round/>
+                      <a:headEnd type="none" w="med" len="med"/>
+                      <a:tailEnd type="none" w="med" len="med"/>
+                    </a:lnL>
+                    <a:lnR w="9525" cap="flat" cmpd="sng" algn="ctr">
+                      <a:solidFill>
+                        <a:srgbClr val="DFE2E5"/>
+                      </a:solidFill>
+                      <a:prstDash val="solid"/>
+                      <a:round/>
+                      <a:headEnd type="none" w="med" len="med"/>
+                      <a:tailEnd type="none" w="med" len="med"/>
+                    </a:lnR>
+                    <a:lnT w="9525" cap="flat" cmpd="sng" algn="ctr">
+                      <a:solidFill>
+                        <a:srgbClr val="DFE2E5"/>
+                      </a:solidFill>
+                      <a:prstDash val="solid"/>
+                      <a:round/>
+                      <a:headEnd type="none" w="med" len="med"/>
+                      <a:tailEnd type="none" w="med" len="med"/>
+                    </a:lnT>
+                    <a:lnB w="9525" cap="flat" cmpd="sng" algn="ctr">
+                      <a:solidFill>
+                        <a:srgbClr val="DFE2E5"/>
+                      </a:solidFill>
+                      <a:prstDash val="solid"/>
+                      <a:round/>
+                      <a:headEnd type="none" w="med" len="med"/>
+                      <a:tailEnd type="none" w="med" len="med"/>
+                    </a:lnB>
+                    <a:solidFill>
+                      <a:srgbClr val="FFFFFF"/>
+                    </a:solidFill>
+                  </a:tcPr>
+                </a:tc>
+                <a:tc>
+                  <a:txBody>
+                    <a:bodyPr/>
+                    <a:lstStyle/>
+                    <a:p>
+                      <a:endParaRPr lang="en-US" sz="1200">
+                        <a:effectLst/>
+                      </a:endParaRPr>
+                    </a:p>
+                  </a:txBody>
+                  <a:tcPr marL="41569" marR="41569" marT="19186" marB="19186" anchor="ctr">
+                    <a:lnL w="9525" cap="flat" cmpd="sng" algn="ctr">
+                      <a:solidFill>
+                        <a:srgbClr val="DFE2E5"/>
+                      </a:solidFill>
+                      <a:prstDash val="solid"/>
+                      <a:round/>
+                      <a:headEnd type="none" w="med" len="med"/>
+                      <a:tailEnd type="none" w="med" len="med"/>
+                    </a:lnL>
+                    <a:lnR w="9525" cap="flat" cmpd="sng" algn="ctr">
+                      <a:solidFill>
+                        <a:srgbClr val="DFE2E5"/>
+                      </a:solidFill>
+                      <a:prstDash val="solid"/>
+                      <a:round/>
+                      <a:headEnd type="none" w="med" len="med"/>
+                      <a:tailEnd type="none" w="med" len="med"/>
+                    </a:lnR>
+                    <a:lnT w="9525" cap="flat" cmpd="sng" algn="ctr">
+                      <a:solidFill>
+                        <a:srgbClr val="DFE2E5"/>
+                      </a:solidFill>
+                      <a:prstDash val="solid"/>
+                      <a:round/>
+                      <a:headEnd type="none" w="med" len="med"/>
+                      <a:tailEnd type="none" w="med" len="med"/>
+                    </a:lnT>
+                    <a:lnB w="9525" cap="flat" cmpd="sng" algn="ctr">
+                      <a:solidFill>
+                        <a:srgbClr val="DFE2E5"/>
+                      </a:solidFill>
+                      <a:prstDash val="solid"/>
+                      <a:round/>
+                      <a:headEnd type="none" w="med" len="med"/>
+                      <a:tailEnd type="none" w="med" len="med"/>
+                    </a:lnB>
+                    <a:solidFill>
+                      <a:srgbClr val="FFFFFF"/>
+                    </a:solidFill>
+                  </a:tcPr>
+                </a:tc>
+                <a:tc>
+                  <a:txBody>
+                    <a:bodyPr/>
+                    <a:lstStyle/>
+                    <a:p>
+                      <a:r>
+                        <a:rPr lang="en-US" sz="1200">
+                          <a:effectLst/>
+                        </a:rPr>
+                        <a:t>41.85526591</a:t>
+                      </a:r>
+                    </a:p>
+                  </a:txBody>
+                  <a:tcPr marL="41569" marR="41569" marT="19186" marB="19186" anchor="ctr">
+                    <a:lnL w="9525" cap="flat" cmpd="sng" algn="ctr">
+                      <a:solidFill>
+                        <a:srgbClr val="DFE2E5"/>
+                      </a:solidFill>
+                      <a:prstDash val="solid"/>
+                      <a:round/>
+                      <a:headEnd type="none" w="med" len="med"/>
+                      <a:tailEnd type="none" w="med" len="med"/>
+                    </a:lnL>
+                    <a:lnR w="9525" cap="flat" cmpd="sng" algn="ctr">
+                      <a:solidFill>
+                        <a:srgbClr val="DFE2E5"/>
+                      </a:solidFill>
+                      <a:prstDash val="solid"/>
+                      <a:round/>
+                      <a:headEnd type="none" w="med" len="med"/>
+                      <a:tailEnd type="none" w="med" len="med"/>
+                    </a:lnR>
+                    <a:lnT w="9525" cap="flat" cmpd="sng" algn="ctr">
+                      <a:solidFill>
+                        <a:srgbClr val="DFE2E5"/>
+                      </a:solidFill>
+                      <a:prstDash val="solid"/>
+                      <a:round/>
+                      <a:headEnd type="none" w="med" len="med"/>
+                      <a:tailEnd type="none" w="med" len="med"/>
+                    </a:lnT>
+                    <a:lnB w="9525" cap="flat" cmpd="sng" algn="ctr">
+                      <a:solidFill>
+                        <a:srgbClr val="DFE2E5"/>
+                      </a:solidFill>
+                      <a:prstDash val="solid"/>
+                      <a:round/>
+                      <a:headEnd type="none" w="med" len="med"/>
+                      <a:tailEnd type="none" w="med" len="med"/>
+                    </a:lnB>
+                    <a:solidFill>
+                      <a:srgbClr val="FFFFFF"/>
+                    </a:solidFill>
+                  </a:tcPr>
+                </a:tc>
+                <a:tc>
+                  <a:txBody>
+                    <a:bodyPr/>
+                    <a:lstStyle/>
+                    <a:p>
+                      <a:r>
+                        <a:rPr lang="en-US" sz="1200">
+                          <a:effectLst/>
+                        </a:rPr>
+                        <a:t>-87.71240156</a:t>
+                      </a:r>
+                    </a:p>
+                  </a:txBody>
+                  <a:tcPr marL="41569" marR="41569" marT="19186" marB="19186" anchor="ctr">
+                    <a:lnL w="9525" cap="flat" cmpd="sng" algn="ctr">
+                      <a:solidFill>
+                        <a:srgbClr val="DFE2E5"/>
+                      </a:solidFill>
+                      <a:prstDash val="solid"/>
+                      <a:round/>
+                      <a:headEnd type="none" w="med" len="med"/>
+                      <a:tailEnd type="none" w="med" len="med"/>
+                    </a:lnL>
+                    <a:lnR w="9525" cap="flat" cmpd="sng" algn="ctr">
+                      <a:solidFill>
+                        <a:srgbClr val="DFE2E5"/>
+                      </a:solidFill>
+                      <a:prstDash val="solid"/>
+                      <a:round/>
+                      <a:headEnd type="none" w="med" len="med"/>
+                      <a:tailEnd type="none" w="med" len="med"/>
+                    </a:lnR>
+                    <a:lnT w="9525" cap="flat" cmpd="sng" algn="ctr">
+                      <a:solidFill>
+                        <a:srgbClr val="DFE2E5"/>
+                      </a:solidFill>
+                      <a:prstDash val="solid"/>
+                      <a:round/>
+                      <a:headEnd type="none" w="med" len="med"/>
+                      <a:tailEnd type="none" w="med" len="med"/>
+                    </a:lnT>
+                    <a:lnB w="9525" cap="flat" cmpd="sng" algn="ctr">
+                      <a:solidFill>
+                        <a:srgbClr val="DFE2E5"/>
+                      </a:solidFill>
+                      <a:prstDash val="solid"/>
+                      <a:round/>
+                      <a:headEnd type="none" w="med" len="med"/>
+                      <a:tailEnd type="none" w="med" len="med"/>
+                    </a:lnB>
+                    <a:solidFill>
+                      <a:srgbClr val="FFFFFF"/>
+                    </a:solidFill>
+                  </a:tcPr>
+                </a:tc>
+                <a:tc>
+                  <a:txBody>
+                    <a:bodyPr/>
+                    <a:lstStyle/>
+                    <a:p>
+                      <a:r>
+                        <a:rPr lang="en-US" sz="1200">
+                          <a:effectLst/>
+                        </a:rPr>
+                        <a:t>(-87.71240156240032, 41.85526590922669)</a:t>
+                      </a:r>
+                    </a:p>
+                  </a:txBody>
+                  <a:tcPr marL="41569" marR="41569" marT="19186" marB="19186" anchor="ctr">
+                    <a:lnL w="9525" cap="flat" cmpd="sng" algn="ctr">
+                      <a:solidFill>
+                        <a:srgbClr val="DFE2E5"/>
+                      </a:solidFill>
+                      <a:prstDash val="solid"/>
+                      <a:round/>
+                      <a:headEnd type="none" w="med" len="med"/>
+                      <a:tailEnd type="none" w="med" len="med"/>
+                    </a:lnL>
+                    <a:lnR w="9525" cap="flat" cmpd="sng" algn="ctr">
+                      <a:solidFill>
+                        <a:srgbClr val="DFE2E5"/>
+                      </a:solidFill>
+                      <a:prstDash val="solid"/>
+                      <a:round/>
+                      <a:headEnd type="none" w="med" len="med"/>
+                      <a:tailEnd type="none" w="med" len="med"/>
+                    </a:lnR>
+                    <a:lnT w="9525" cap="flat" cmpd="sng" algn="ctr">
+                      <a:solidFill>
+                        <a:srgbClr val="DFE2E5"/>
+                      </a:solidFill>
+                      <a:prstDash val="solid"/>
+                      <a:round/>
+                      <a:headEnd type="none" w="med" len="med"/>
+                      <a:tailEnd type="none" w="med" len="med"/>
+                    </a:lnT>
+                    <a:lnB w="9525" cap="flat" cmpd="sng" algn="ctr">
+                      <a:solidFill>
+                        <a:srgbClr val="DFE2E5"/>
+                      </a:solidFill>
+                      <a:prstDash val="solid"/>
+                      <a:round/>
+                      <a:headEnd type="none" w="med" len="med"/>
+                      <a:tailEnd type="none" w="med" len="med"/>
+                    </a:lnB>
+                    <a:solidFill>
+                      <a:srgbClr val="FFFFFF"/>
+                    </a:solidFill>
+                  </a:tcPr>
+                </a:tc>
+                <a:extLst>
+                  <a:ext uri="{0D108BD9-81ED-4DB2-BD59-A6C34878D82A}">
+                    <a16:rowId xmlns:a16="http://schemas.microsoft.com/office/drawing/2014/main" val="3801547704"/>
+                  </a:ext>
+                </a:extLst>
+              </a:tr>
+              <a:tr h="1272173">
+                <a:tc>
+                  <a:txBody>
+                    <a:bodyPr/>
+                    <a:lstStyle/>
+                    <a:p>
+                      <a:r>
+                        <a:rPr lang="en-US" sz="1200">
+                          <a:effectLst/>
+                        </a:rPr>
+                        <a:t>2320793</a:t>
+                      </a:r>
+                    </a:p>
+                  </a:txBody>
+                  <a:tcPr marL="41569" marR="41569" marT="19186" marB="19186" anchor="ctr">
+                    <a:lnL w="9525" cap="flat" cmpd="sng" algn="ctr">
+                      <a:solidFill>
+                        <a:srgbClr val="DFE2E5"/>
+                      </a:solidFill>
+                      <a:prstDash val="solid"/>
+                      <a:round/>
+                      <a:headEnd type="none" w="med" len="med"/>
+                      <a:tailEnd type="none" w="med" len="med"/>
+                    </a:lnL>
+                    <a:lnR w="9525" cap="flat" cmpd="sng" algn="ctr">
+                      <a:solidFill>
+                        <a:srgbClr val="DFE2E5"/>
+                      </a:solidFill>
+                      <a:prstDash val="solid"/>
+                      <a:round/>
+                      <a:headEnd type="none" w="med" len="med"/>
+                      <a:tailEnd type="none" w="med" len="med"/>
+                    </a:lnR>
+                    <a:lnT w="9525" cap="flat" cmpd="sng" algn="ctr">
+                      <a:solidFill>
+                        <a:srgbClr val="DFE2E5"/>
+                      </a:solidFill>
+                      <a:prstDash val="solid"/>
+                      <a:round/>
+                      <a:headEnd type="none" w="med" len="med"/>
+                      <a:tailEnd type="none" w="med" len="med"/>
+                    </a:lnT>
+                    <a:lnB w="9525" cap="flat" cmpd="sng" algn="ctr">
+                      <a:solidFill>
+                        <a:srgbClr val="DFE2E5"/>
+                      </a:solidFill>
+                      <a:prstDash val="solid"/>
+                      <a:round/>
+                      <a:headEnd type="none" w="med" len="med"/>
+                      <a:tailEnd type="none" w="med" len="med"/>
+                    </a:lnB>
+                    <a:solidFill>
+                      <a:srgbClr val="F6F8FA"/>
+                    </a:solidFill>
+                  </a:tcPr>
+                </a:tc>
+                <a:tc>
+                  <a:txBody>
+                    <a:bodyPr/>
+                    <a:lstStyle/>
+                    <a:p>
+                      <a:r>
+                        <a:rPr lang="en-US" sz="1200">
+                          <a:effectLst/>
+                        </a:rPr>
+                        <a:t>TACO MARIO'S LIMITED</a:t>
+                      </a:r>
+                    </a:p>
+                  </a:txBody>
+                  <a:tcPr marL="41569" marR="41569" marT="19186" marB="19186" anchor="ctr">
+                    <a:lnL w="9525" cap="flat" cmpd="sng" algn="ctr">
+                      <a:solidFill>
+                        <a:srgbClr val="DFE2E5"/>
+                      </a:solidFill>
+                      <a:prstDash val="solid"/>
+                      <a:round/>
+                      <a:headEnd type="none" w="med" len="med"/>
+                      <a:tailEnd type="none" w="med" len="med"/>
+                    </a:lnL>
+                    <a:lnR w="9525" cap="flat" cmpd="sng" algn="ctr">
+                      <a:solidFill>
+                        <a:srgbClr val="DFE2E5"/>
+                      </a:solidFill>
+                      <a:prstDash val="solid"/>
+                      <a:round/>
+                      <a:headEnd type="none" w="med" len="med"/>
+                      <a:tailEnd type="none" w="med" len="med"/>
+                    </a:lnR>
+                    <a:lnT w="9525" cap="flat" cmpd="sng" algn="ctr">
+                      <a:solidFill>
+                        <a:srgbClr val="DFE2E5"/>
+                      </a:solidFill>
+                      <a:prstDash val="solid"/>
+                      <a:round/>
+                      <a:headEnd type="none" w="med" len="med"/>
+                      <a:tailEnd type="none" w="med" len="med"/>
+                    </a:lnT>
+                    <a:lnB w="9525" cap="flat" cmpd="sng" algn="ctr">
+                      <a:solidFill>
+                        <a:srgbClr val="DFE2E5"/>
+                      </a:solidFill>
+                      <a:prstDash val="solid"/>
+                      <a:round/>
+                      <a:headEnd type="none" w="med" len="med"/>
+                      <a:tailEnd type="none" w="med" len="med"/>
+                    </a:lnB>
+                    <a:solidFill>
+                      <a:srgbClr val="F6F8FA"/>
+                    </a:solidFill>
+                  </a:tcPr>
+                </a:tc>
+                <a:tc>
+                  <a:txBody>
+                    <a:bodyPr/>
+                    <a:lstStyle/>
+                    <a:p>
+                      <a:r>
+                        <a:rPr lang="en-US" sz="1200">
+                          <a:effectLst/>
+                        </a:rPr>
+                        <a:t>TACO MARIO'S LIMITED</a:t>
+                      </a:r>
+                    </a:p>
+                  </a:txBody>
+                  <a:tcPr marL="41569" marR="41569" marT="19186" marB="19186" anchor="ctr">
+                    <a:lnL w="9525" cap="flat" cmpd="sng" algn="ctr">
+                      <a:solidFill>
+                        <a:srgbClr val="DFE2E5"/>
+                      </a:solidFill>
+                      <a:prstDash val="solid"/>
+                      <a:round/>
+                      <a:headEnd type="none" w="med" len="med"/>
+                      <a:tailEnd type="none" w="med" len="med"/>
+                    </a:lnL>
+                    <a:lnR w="9525" cap="flat" cmpd="sng" algn="ctr">
+                      <a:solidFill>
+                        <a:srgbClr val="DFE2E5"/>
+                      </a:solidFill>
+                      <a:prstDash val="solid"/>
+                      <a:round/>
+                      <a:headEnd type="none" w="med" len="med"/>
+                      <a:tailEnd type="none" w="med" len="med"/>
+                    </a:lnR>
+                    <a:lnT w="9525" cap="flat" cmpd="sng" algn="ctr">
+                      <a:solidFill>
+                        <a:srgbClr val="DFE2E5"/>
+                      </a:solidFill>
+                      <a:prstDash val="solid"/>
+                      <a:round/>
+                      <a:headEnd type="none" w="med" len="med"/>
+                      <a:tailEnd type="none" w="med" len="med"/>
+                    </a:lnT>
+                    <a:lnB w="9525" cap="flat" cmpd="sng" algn="ctr">
+                      <a:solidFill>
+                        <a:srgbClr val="DFE2E5"/>
+                      </a:solidFill>
+                      <a:prstDash val="solid"/>
+                      <a:round/>
+                      <a:headEnd type="none" w="med" len="med"/>
+                      <a:tailEnd type="none" w="med" len="med"/>
+                    </a:lnB>
+                    <a:solidFill>
+                      <a:srgbClr val="F6F8FA"/>
+                    </a:solidFill>
+                  </a:tcPr>
+                </a:tc>
+                <a:tc>
+                  <a:txBody>
+                    <a:bodyPr/>
+                    <a:lstStyle/>
+                    <a:p>
+                      <a:r>
+                        <a:rPr lang="en-US" sz="1200">
+                          <a:effectLst/>
+                        </a:rPr>
+                        <a:t>2622418.0</a:t>
+                      </a:r>
+                    </a:p>
+                  </a:txBody>
+                  <a:tcPr marL="41569" marR="41569" marT="19186" marB="19186" anchor="ctr">
+                    <a:lnL w="9525" cap="flat" cmpd="sng" algn="ctr">
+                      <a:solidFill>
+                        <a:srgbClr val="DFE2E5"/>
+                      </a:solidFill>
+                      <a:prstDash val="solid"/>
+                      <a:round/>
+                      <a:headEnd type="none" w="med" len="med"/>
+                      <a:tailEnd type="none" w="med" len="med"/>
+                    </a:lnL>
+                    <a:lnR w="9525" cap="flat" cmpd="sng" algn="ctr">
+                      <a:solidFill>
+                        <a:srgbClr val="DFE2E5"/>
+                      </a:solidFill>
+                      <a:prstDash val="solid"/>
+                      <a:round/>
+                      <a:headEnd type="none" w="med" len="med"/>
+                      <a:tailEnd type="none" w="med" len="med"/>
+                    </a:lnR>
+                    <a:lnT w="9525" cap="flat" cmpd="sng" algn="ctr">
+                      <a:solidFill>
+                        <a:srgbClr val="DFE2E5"/>
+                      </a:solidFill>
+                      <a:prstDash val="solid"/>
+                      <a:round/>
+                      <a:headEnd type="none" w="med" len="med"/>
+                      <a:tailEnd type="none" w="med" len="med"/>
+                    </a:lnT>
+                    <a:lnB w="9525" cap="flat" cmpd="sng" algn="ctr">
+                      <a:solidFill>
+                        <a:srgbClr val="DFE2E5"/>
+                      </a:solidFill>
+                      <a:prstDash val="solid"/>
+                      <a:round/>
+                      <a:headEnd type="none" w="med" len="med"/>
+                      <a:tailEnd type="none" w="med" len="med"/>
+                    </a:lnB>
+                    <a:solidFill>
+                      <a:srgbClr val="F6F8FA"/>
+                    </a:solidFill>
+                  </a:tcPr>
+                </a:tc>
+                <a:tc>
+                  <a:txBody>
+                    <a:bodyPr/>
+                    <a:lstStyle/>
+                    <a:p>
+                      <a:r>
+                        <a:rPr lang="en-US" sz="1200">
+                          <a:effectLst/>
+                        </a:rPr>
+                        <a:t>Mobile Food Preparer</a:t>
+                      </a:r>
+                    </a:p>
+                  </a:txBody>
+                  <a:tcPr marL="41569" marR="41569" marT="19186" marB="19186" anchor="ctr">
+                    <a:lnL w="9525" cap="flat" cmpd="sng" algn="ctr">
+                      <a:solidFill>
+                        <a:srgbClr val="DFE2E5"/>
+                      </a:solidFill>
+                      <a:prstDash val="solid"/>
+                      <a:round/>
+                      <a:headEnd type="none" w="med" len="med"/>
+                      <a:tailEnd type="none" w="med" len="med"/>
+                    </a:lnL>
+                    <a:lnR w="9525" cap="flat" cmpd="sng" algn="ctr">
+                      <a:solidFill>
+                        <a:srgbClr val="DFE2E5"/>
+                      </a:solidFill>
+                      <a:prstDash val="solid"/>
+                      <a:round/>
+                      <a:headEnd type="none" w="med" len="med"/>
+                      <a:tailEnd type="none" w="med" len="med"/>
+                    </a:lnR>
+                    <a:lnT w="9525" cap="flat" cmpd="sng" algn="ctr">
+                      <a:solidFill>
+                        <a:srgbClr val="DFE2E5"/>
+                      </a:solidFill>
+                      <a:prstDash val="solid"/>
+                      <a:round/>
+                      <a:headEnd type="none" w="med" len="med"/>
+                      <a:tailEnd type="none" w="med" len="med"/>
+                    </a:lnT>
+                    <a:lnB w="9525" cap="flat" cmpd="sng" algn="ctr">
+                      <a:solidFill>
+                        <a:srgbClr val="DFE2E5"/>
+                      </a:solidFill>
+                      <a:prstDash val="solid"/>
+                      <a:round/>
+                      <a:headEnd type="none" w="med" len="med"/>
+                      <a:tailEnd type="none" w="med" len="med"/>
+                    </a:lnB>
+                    <a:solidFill>
+                      <a:srgbClr val="F6F8FA"/>
+                    </a:solidFill>
+                  </a:tcPr>
+                </a:tc>
+                <a:tc>
+                  <a:txBody>
+                    <a:bodyPr/>
+                    <a:lstStyle/>
+                    <a:p>
+                      <a:r>
+                        <a:rPr lang="en-US" sz="1200">
+                          <a:effectLst/>
+                        </a:rPr>
+                        <a:t>Risk 2 (Medium)</a:t>
+                      </a:r>
+                    </a:p>
+                  </a:txBody>
+                  <a:tcPr marL="41569" marR="41569" marT="19186" marB="19186" anchor="ctr">
+                    <a:lnL w="9525" cap="flat" cmpd="sng" algn="ctr">
+                      <a:solidFill>
+                        <a:srgbClr val="DFE2E5"/>
+                      </a:solidFill>
+                      <a:prstDash val="solid"/>
+                      <a:round/>
+                      <a:headEnd type="none" w="med" len="med"/>
+                      <a:tailEnd type="none" w="med" len="med"/>
+                    </a:lnL>
+                    <a:lnR w="9525" cap="flat" cmpd="sng" algn="ctr">
+                      <a:solidFill>
+                        <a:srgbClr val="DFE2E5"/>
+                      </a:solidFill>
+                      <a:prstDash val="solid"/>
+                      <a:round/>
+                      <a:headEnd type="none" w="med" len="med"/>
+                      <a:tailEnd type="none" w="med" len="med"/>
+                    </a:lnR>
+                    <a:lnT w="9525" cap="flat" cmpd="sng" algn="ctr">
+                      <a:solidFill>
+                        <a:srgbClr val="DFE2E5"/>
+                      </a:solidFill>
+                      <a:prstDash val="solid"/>
+                      <a:round/>
+                      <a:headEnd type="none" w="med" len="med"/>
+                      <a:tailEnd type="none" w="med" len="med"/>
+                    </a:lnT>
+                    <a:lnB w="9525" cap="flat" cmpd="sng" algn="ctr">
+                      <a:solidFill>
+                        <a:srgbClr val="DFE2E5"/>
+                      </a:solidFill>
+                      <a:prstDash val="solid"/>
+                      <a:round/>
+                      <a:headEnd type="none" w="med" len="med"/>
+                      <a:tailEnd type="none" w="med" len="med"/>
+                    </a:lnB>
+                    <a:solidFill>
+                      <a:srgbClr val="F6F8FA"/>
+                    </a:solidFill>
+                  </a:tcPr>
+                </a:tc>
+                <a:tc>
+                  <a:txBody>
+                    <a:bodyPr/>
+                    <a:lstStyle/>
+                    <a:p>
+                      <a:r>
+                        <a:rPr lang="en-US" sz="1200">
+                          <a:effectLst/>
+                        </a:rPr>
+                        <a:t>2300 S THROOP ST</a:t>
+                      </a:r>
+                    </a:p>
+                  </a:txBody>
+                  <a:tcPr marL="41569" marR="41569" marT="19186" marB="19186" anchor="ctr">
+                    <a:lnL w="9525" cap="flat" cmpd="sng" algn="ctr">
+                      <a:solidFill>
+                        <a:srgbClr val="DFE2E5"/>
+                      </a:solidFill>
+                      <a:prstDash val="solid"/>
+                      <a:round/>
+                      <a:headEnd type="none" w="med" len="med"/>
+                      <a:tailEnd type="none" w="med" len="med"/>
+                    </a:lnL>
+                    <a:lnR w="9525" cap="flat" cmpd="sng" algn="ctr">
+                      <a:solidFill>
+                        <a:srgbClr val="DFE2E5"/>
+                      </a:solidFill>
+                      <a:prstDash val="solid"/>
+                      <a:round/>
+                      <a:headEnd type="none" w="med" len="med"/>
+                      <a:tailEnd type="none" w="med" len="med"/>
+                    </a:lnR>
+                    <a:lnT w="9525" cap="flat" cmpd="sng" algn="ctr">
+                      <a:solidFill>
+                        <a:srgbClr val="DFE2E5"/>
+                      </a:solidFill>
+                      <a:prstDash val="solid"/>
+                      <a:round/>
+                      <a:headEnd type="none" w="med" len="med"/>
+                      <a:tailEnd type="none" w="med" len="med"/>
+                    </a:lnT>
+                    <a:lnB w="9525" cap="flat" cmpd="sng" algn="ctr">
+                      <a:solidFill>
+                        <a:srgbClr val="DFE2E5"/>
+                      </a:solidFill>
+                      <a:prstDash val="solid"/>
+                      <a:round/>
+                      <a:headEnd type="none" w="med" len="med"/>
+                      <a:tailEnd type="none" w="med" len="med"/>
+                    </a:lnB>
+                    <a:solidFill>
+                      <a:srgbClr val="F6F8FA"/>
+                    </a:solidFill>
+                  </a:tcPr>
+                </a:tc>
+                <a:tc>
+                  <a:txBody>
+                    <a:bodyPr/>
+                    <a:lstStyle/>
+                    <a:p>
+                      <a:r>
+                        <a:rPr lang="en-US" sz="1200">
+                          <a:effectLst/>
+                        </a:rPr>
+                        <a:t>CHICAGO</a:t>
+                      </a:r>
+                    </a:p>
+                  </a:txBody>
+                  <a:tcPr marL="41569" marR="41569" marT="19186" marB="19186" anchor="ctr">
+                    <a:lnL w="9525" cap="flat" cmpd="sng" algn="ctr">
+                      <a:solidFill>
+                        <a:srgbClr val="DFE2E5"/>
+                      </a:solidFill>
+                      <a:prstDash val="solid"/>
+                      <a:round/>
+                      <a:headEnd type="none" w="med" len="med"/>
+                      <a:tailEnd type="none" w="med" len="med"/>
+                    </a:lnL>
+                    <a:lnR w="9525" cap="flat" cmpd="sng" algn="ctr">
+                      <a:solidFill>
+                        <a:srgbClr val="DFE2E5"/>
+                      </a:solidFill>
+                      <a:prstDash val="solid"/>
+                      <a:round/>
+                      <a:headEnd type="none" w="med" len="med"/>
+                      <a:tailEnd type="none" w="med" len="med"/>
+                    </a:lnR>
+                    <a:lnT w="9525" cap="flat" cmpd="sng" algn="ctr">
+                      <a:solidFill>
+                        <a:srgbClr val="DFE2E5"/>
+                      </a:solidFill>
+                      <a:prstDash val="solid"/>
+                      <a:round/>
+                      <a:headEnd type="none" w="med" len="med"/>
+                      <a:tailEnd type="none" w="med" len="med"/>
+                    </a:lnT>
+                    <a:lnB w="9525" cap="flat" cmpd="sng" algn="ctr">
+                      <a:solidFill>
+                        <a:srgbClr val="DFE2E5"/>
+                      </a:solidFill>
+                      <a:prstDash val="solid"/>
+                      <a:round/>
+                      <a:headEnd type="none" w="med" len="med"/>
+                      <a:tailEnd type="none" w="med" len="med"/>
+                    </a:lnB>
+                    <a:solidFill>
+                      <a:srgbClr val="F6F8FA"/>
+                    </a:solidFill>
+                  </a:tcPr>
+                </a:tc>
+                <a:tc>
+                  <a:txBody>
+                    <a:bodyPr/>
+                    <a:lstStyle/>
+                    <a:p>
+                      <a:r>
+                        <a:rPr lang="en-US" sz="1200">
+                          <a:effectLst/>
+                        </a:rPr>
+                        <a:t>IL</a:t>
+                      </a:r>
+                    </a:p>
+                  </a:txBody>
+                  <a:tcPr marL="41569" marR="41569" marT="19186" marB="19186" anchor="ctr">
+                    <a:lnL w="9525" cap="flat" cmpd="sng" algn="ctr">
+                      <a:solidFill>
+                        <a:srgbClr val="DFE2E5"/>
+                      </a:solidFill>
+                      <a:prstDash val="solid"/>
+                      <a:round/>
+                      <a:headEnd type="none" w="med" len="med"/>
+                      <a:tailEnd type="none" w="med" len="med"/>
+                    </a:lnL>
+                    <a:lnR w="9525" cap="flat" cmpd="sng" algn="ctr">
+                      <a:solidFill>
+                        <a:srgbClr val="DFE2E5"/>
+                      </a:solidFill>
+                      <a:prstDash val="solid"/>
+                      <a:round/>
+                      <a:headEnd type="none" w="med" len="med"/>
+                      <a:tailEnd type="none" w="med" len="med"/>
+                    </a:lnR>
+                    <a:lnT w="9525" cap="flat" cmpd="sng" algn="ctr">
+                      <a:solidFill>
+                        <a:srgbClr val="DFE2E5"/>
+                      </a:solidFill>
+                      <a:prstDash val="solid"/>
+                      <a:round/>
+                      <a:headEnd type="none" w="med" len="med"/>
+                      <a:tailEnd type="none" w="med" len="med"/>
+                    </a:lnT>
+                    <a:lnB w="9525" cap="flat" cmpd="sng" algn="ctr">
+                      <a:solidFill>
+                        <a:srgbClr val="DFE2E5"/>
+                      </a:solidFill>
+                      <a:prstDash val="solid"/>
+                      <a:round/>
+                      <a:headEnd type="none" w="med" len="med"/>
+                      <a:tailEnd type="none" w="med" len="med"/>
+                    </a:lnB>
+                    <a:solidFill>
+                      <a:srgbClr val="F6F8FA"/>
+                    </a:solidFill>
+                  </a:tcPr>
+                </a:tc>
+                <a:tc>
+                  <a:txBody>
+                    <a:bodyPr/>
+                    <a:lstStyle/>
+                    <a:p>
+                      <a:r>
+                        <a:rPr lang="en-US" sz="1200" dirty="0">
+                          <a:effectLst/>
+                        </a:rPr>
+                        <a:t>60608.0</a:t>
+                      </a:r>
+                    </a:p>
+                  </a:txBody>
+                  <a:tcPr marL="41569" marR="41569" marT="19186" marB="19186" anchor="ctr">
+                    <a:lnL w="9525" cap="flat" cmpd="sng" algn="ctr">
+                      <a:solidFill>
+                        <a:srgbClr val="DFE2E5"/>
+                      </a:solidFill>
+                      <a:prstDash val="solid"/>
+                      <a:round/>
+                      <a:headEnd type="none" w="med" len="med"/>
+                      <a:tailEnd type="none" w="med" len="med"/>
+                    </a:lnL>
+                    <a:lnR w="9525" cap="flat" cmpd="sng" algn="ctr">
+                      <a:solidFill>
+                        <a:srgbClr val="DFE2E5"/>
+                      </a:solidFill>
+                      <a:prstDash val="solid"/>
+                      <a:round/>
+                      <a:headEnd type="none" w="med" len="med"/>
+                      <a:tailEnd type="none" w="med" len="med"/>
+                    </a:lnR>
+                    <a:lnT w="9525" cap="flat" cmpd="sng" algn="ctr">
+                      <a:solidFill>
+                        <a:srgbClr val="DFE2E5"/>
+                      </a:solidFill>
+                      <a:prstDash val="solid"/>
+                      <a:round/>
+                      <a:headEnd type="none" w="med" len="med"/>
+                      <a:tailEnd type="none" w="med" len="med"/>
+                    </a:lnT>
+                    <a:lnB w="9525" cap="flat" cmpd="sng" algn="ctr">
+                      <a:solidFill>
+                        <a:srgbClr val="DFE2E5"/>
+                      </a:solidFill>
+                      <a:prstDash val="solid"/>
+                      <a:round/>
+                      <a:headEnd type="none" w="med" len="med"/>
+                      <a:tailEnd type="none" w="med" len="med"/>
+                    </a:lnB>
+                    <a:solidFill>
+                      <a:srgbClr val="F6F8FA"/>
+                    </a:solidFill>
+                  </a:tcPr>
+                </a:tc>
+                <a:tc>
+                  <a:txBody>
+                    <a:bodyPr/>
+                    <a:lstStyle/>
+                    <a:p>
+                      <a:r>
+                        <a:rPr lang="en-US" sz="1200">
+                          <a:effectLst/>
+                        </a:rPr>
+                        <a:t>10/30/19</a:t>
+                      </a:r>
+                    </a:p>
+                  </a:txBody>
+                  <a:tcPr marL="41569" marR="41569" marT="19186" marB="19186" anchor="ctr">
+                    <a:lnL w="9525" cap="flat" cmpd="sng" algn="ctr">
+                      <a:solidFill>
+                        <a:srgbClr val="DFE2E5"/>
+                      </a:solidFill>
+                      <a:prstDash val="solid"/>
+                      <a:round/>
+                      <a:headEnd type="none" w="med" len="med"/>
+                      <a:tailEnd type="none" w="med" len="med"/>
+                    </a:lnL>
+                    <a:lnR w="9525" cap="flat" cmpd="sng" algn="ctr">
+                      <a:solidFill>
+                        <a:srgbClr val="DFE2E5"/>
+                      </a:solidFill>
+                      <a:prstDash val="solid"/>
+                      <a:round/>
+                      <a:headEnd type="none" w="med" len="med"/>
+                      <a:tailEnd type="none" w="med" len="med"/>
+                    </a:lnR>
+                    <a:lnT w="9525" cap="flat" cmpd="sng" algn="ctr">
+                      <a:solidFill>
+                        <a:srgbClr val="DFE2E5"/>
+                      </a:solidFill>
+                      <a:prstDash val="solid"/>
+                      <a:round/>
+                      <a:headEnd type="none" w="med" len="med"/>
+                      <a:tailEnd type="none" w="med" len="med"/>
+                    </a:lnT>
+                    <a:lnB w="9525" cap="flat" cmpd="sng" algn="ctr">
+                      <a:solidFill>
+                        <a:srgbClr val="DFE2E5"/>
+                      </a:solidFill>
+                      <a:prstDash val="solid"/>
+                      <a:round/>
+                      <a:headEnd type="none" w="med" len="med"/>
+                      <a:tailEnd type="none" w="med" len="med"/>
+                    </a:lnB>
+                    <a:solidFill>
+                      <a:srgbClr val="F6F8FA"/>
+                    </a:solidFill>
+                  </a:tcPr>
+                </a:tc>
+                <a:tc>
+                  <a:txBody>
+                    <a:bodyPr/>
+                    <a:lstStyle/>
+                    <a:p>
+                      <a:r>
+                        <a:rPr lang="en-US" sz="1200">
+                          <a:effectLst/>
+                        </a:rPr>
+                        <a:t>License</a:t>
+                      </a:r>
+                    </a:p>
+                  </a:txBody>
+                  <a:tcPr marL="41569" marR="41569" marT="19186" marB="19186" anchor="ctr">
+                    <a:lnL w="9525" cap="flat" cmpd="sng" algn="ctr">
+                      <a:solidFill>
+                        <a:srgbClr val="DFE2E5"/>
+                      </a:solidFill>
+                      <a:prstDash val="solid"/>
+                      <a:round/>
+                      <a:headEnd type="none" w="med" len="med"/>
+                      <a:tailEnd type="none" w="med" len="med"/>
+                    </a:lnL>
+                    <a:lnR w="9525" cap="flat" cmpd="sng" algn="ctr">
+                      <a:solidFill>
+                        <a:srgbClr val="DFE2E5"/>
+                      </a:solidFill>
+                      <a:prstDash val="solid"/>
+                      <a:round/>
+                      <a:headEnd type="none" w="med" len="med"/>
+                      <a:tailEnd type="none" w="med" len="med"/>
+                    </a:lnR>
+                    <a:lnT w="9525" cap="flat" cmpd="sng" algn="ctr">
+                      <a:solidFill>
+                        <a:srgbClr val="DFE2E5"/>
+                      </a:solidFill>
+                      <a:prstDash val="solid"/>
+                      <a:round/>
+                      <a:headEnd type="none" w="med" len="med"/>
+                      <a:tailEnd type="none" w="med" len="med"/>
+                    </a:lnT>
+                    <a:lnB w="9525" cap="flat" cmpd="sng" algn="ctr">
+                      <a:solidFill>
+                        <a:srgbClr val="DFE2E5"/>
+                      </a:solidFill>
+                      <a:prstDash val="solid"/>
+                      <a:round/>
+                      <a:headEnd type="none" w="med" len="med"/>
+                      <a:tailEnd type="none" w="med" len="med"/>
+                    </a:lnB>
+                    <a:solidFill>
+                      <a:srgbClr val="F6F8FA"/>
+                    </a:solidFill>
+                  </a:tcPr>
+                </a:tc>
+                <a:tc>
+                  <a:txBody>
+                    <a:bodyPr/>
+                    <a:lstStyle/>
+                    <a:p>
+                      <a:r>
+                        <a:rPr lang="en-US" sz="1200">
+                          <a:effectLst/>
+                        </a:rPr>
+                        <a:t>Pass</a:t>
+                      </a:r>
+                    </a:p>
+                  </a:txBody>
+                  <a:tcPr marL="41569" marR="41569" marT="19186" marB="19186" anchor="ctr">
+                    <a:lnL w="9525" cap="flat" cmpd="sng" algn="ctr">
+                      <a:solidFill>
+                        <a:srgbClr val="DFE2E5"/>
+                      </a:solidFill>
+                      <a:prstDash val="solid"/>
+                      <a:round/>
+                      <a:headEnd type="none" w="med" len="med"/>
+                      <a:tailEnd type="none" w="med" len="med"/>
+                    </a:lnL>
+                    <a:lnR w="9525" cap="flat" cmpd="sng" algn="ctr">
+                      <a:solidFill>
+                        <a:srgbClr val="DFE2E5"/>
+                      </a:solidFill>
+                      <a:prstDash val="solid"/>
+                      <a:round/>
+                      <a:headEnd type="none" w="med" len="med"/>
+                      <a:tailEnd type="none" w="med" len="med"/>
+                    </a:lnR>
+                    <a:lnT w="9525" cap="flat" cmpd="sng" algn="ctr">
+                      <a:solidFill>
+                        <a:srgbClr val="DFE2E5"/>
+                      </a:solidFill>
+                      <a:prstDash val="solid"/>
+                      <a:round/>
+                      <a:headEnd type="none" w="med" len="med"/>
+                      <a:tailEnd type="none" w="med" len="med"/>
+                    </a:lnT>
+                    <a:lnB w="9525" cap="flat" cmpd="sng" algn="ctr">
+                      <a:solidFill>
+                        <a:srgbClr val="DFE2E5"/>
+                      </a:solidFill>
+                      <a:prstDash val="solid"/>
+                      <a:round/>
+                      <a:headEnd type="none" w="med" len="med"/>
+                      <a:tailEnd type="none" w="med" len="med"/>
+                    </a:lnB>
+                    <a:solidFill>
+                      <a:srgbClr val="F6F8FA"/>
+                    </a:solidFill>
+                  </a:tcPr>
+                </a:tc>
+                <a:tc>
+                  <a:txBody>
+                    <a:bodyPr/>
+                    <a:lstStyle/>
+                    <a:p>
+                      <a:endParaRPr lang="en-US" sz="1200" dirty="0">
+                        <a:effectLst/>
+                      </a:endParaRPr>
+                    </a:p>
+                  </a:txBody>
+                  <a:tcPr marL="41569" marR="41569" marT="19186" marB="19186" anchor="ctr">
+                    <a:lnL w="9525" cap="flat" cmpd="sng" algn="ctr">
+                      <a:solidFill>
+                        <a:srgbClr val="DFE2E5"/>
+                      </a:solidFill>
+                      <a:prstDash val="solid"/>
+                      <a:round/>
+                      <a:headEnd type="none" w="med" len="med"/>
+                      <a:tailEnd type="none" w="med" len="med"/>
+                    </a:lnL>
+                    <a:lnR w="9525" cap="flat" cmpd="sng" algn="ctr">
+                      <a:solidFill>
+                        <a:srgbClr val="DFE2E5"/>
+                      </a:solidFill>
+                      <a:prstDash val="solid"/>
+                      <a:round/>
+                      <a:headEnd type="none" w="med" len="med"/>
+                      <a:tailEnd type="none" w="med" len="med"/>
+                    </a:lnR>
+                    <a:lnT w="9525" cap="flat" cmpd="sng" algn="ctr">
+                      <a:solidFill>
+                        <a:srgbClr val="DFE2E5"/>
+                      </a:solidFill>
+                      <a:prstDash val="solid"/>
+                      <a:round/>
+                      <a:headEnd type="none" w="med" len="med"/>
+                      <a:tailEnd type="none" w="med" len="med"/>
+                    </a:lnT>
+                    <a:lnB w="9525" cap="flat" cmpd="sng" algn="ctr">
+                      <a:solidFill>
+                        <a:srgbClr val="DFE2E5"/>
+                      </a:solidFill>
+                      <a:prstDash val="solid"/>
+                      <a:round/>
+                      <a:headEnd type="none" w="med" len="med"/>
+                      <a:tailEnd type="none" w="med" len="med"/>
+                    </a:lnB>
+                    <a:solidFill>
+                      <a:srgbClr val="F6F8FA"/>
+                    </a:solidFill>
+                  </a:tcPr>
+                </a:tc>
+                <a:tc>
+                  <a:txBody>
+                    <a:bodyPr/>
+                    <a:lstStyle/>
+                    <a:p>
+                      <a:r>
+                        <a:rPr lang="en-US" sz="1200">
+                          <a:effectLst/>
+                        </a:rPr>
+                        <a:t>41.85045102</a:t>
+                      </a:r>
+                    </a:p>
+                  </a:txBody>
+                  <a:tcPr marL="41569" marR="41569" marT="19186" marB="19186" anchor="ctr">
+                    <a:lnL w="9525" cap="flat" cmpd="sng" algn="ctr">
+                      <a:solidFill>
+                        <a:srgbClr val="DFE2E5"/>
+                      </a:solidFill>
+                      <a:prstDash val="solid"/>
+                      <a:round/>
+                      <a:headEnd type="none" w="med" len="med"/>
+                      <a:tailEnd type="none" w="med" len="med"/>
+                    </a:lnL>
+                    <a:lnR w="9525" cap="flat" cmpd="sng" algn="ctr">
+                      <a:solidFill>
+                        <a:srgbClr val="DFE2E5"/>
+                      </a:solidFill>
+                      <a:prstDash val="solid"/>
+                      <a:round/>
+                      <a:headEnd type="none" w="med" len="med"/>
+                      <a:tailEnd type="none" w="med" len="med"/>
+                    </a:lnR>
+                    <a:lnT w="9525" cap="flat" cmpd="sng" algn="ctr">
+                      <a:solidFill>
+                        <a:srgbClr val="DFE2E5"/>
+                      </a:solidFill>
+                      <a:prstDash val="solid"/>
+                      <a:round/>
+                      <a:headEnd type="none" w="med" len="med"/>
+                      <a:tailEnd type="none" w="med" len="med"/>
+                    </a:lnT>
+                    <a:lnB w="9525" cap="flat" cmpd="sng" algn="ctr">
+                      <a:solidFill>
+                        <a:srgbClr val="DFE2E5"/>
+                      </a:solidFill>
+                      <a:prstDash val="solid"/>
+                      <a:round/>
+                      <a:headEnd type="none" w="med" len="med"/>
+                      <a:tailEnd type="none" w="med" len="med"/>
+                    </a:lnB>
+                    <a:solidFill>
+                      <a:srgbClr val="F6F8FA"/>
+                    </a:solidFill>
+                  </a:tcPr>
+                </a:tc>
+                <a:tc>
+                  <a:txBody>
+                    <a:bodyPr/>
+                    <a:lstStyle/>
+                    <a:p>
+                      <a:r>
+                        <a:rPr lang="en-US" sz="1200">
+                          <a:effectLst/>
+                        </a:rPr>
+                        <a:t>-87.65879786</a:t>
+                      </a:r>
+                    </a:p>
+                  </a:txBody>
+                  <a:tcPr marL="41569" marR="41569" marT="19186" marB="19186" anchor="ctr">
+                    <a:lnL w="9525" cap="flat" cmpd="sng" algn="ctr">
+                      <a:solidFill>
+                        <a:srgbClr val="DFE2E5"/>
+                      </a:solidFill>
+                      <a:prstDash val="solid"/>
+                      <a:round/>
+                      <a:headEnd type="none" w="med" len="med"/>
+                      <a:tailEnd type="none" w="med" len="med"/>
+                    </a:lnL>
+                    <a:lnR w="9525" cap="flat" cmpd="sng" algn="ctr">
+                      <a:solidFill>
+                        <a:srgbClr val="DFE2E5"/>
+                      </a:solidFill>
+                      <a:prstDash val="solid"/>
+                      <a:round/>
+                      <a:headEnd type="none" w="med" len="med"/>
+                      <a:tailEnd type="none" w="med" len="med"/>
+                    </a:lnR>
+                    <a:lnT w="9525" cap="flat" cmpd="sng" algn="ctr">
+                      <a:solidFill>
+                        <a:srgbClr val="DFE2E5"/>
+                      </a:solidFill>
+                      <a:prstDash val="solid"/>
+                      <a:round/>
+                      <a:headEnd type="none" w="med" len="med"/>
+                      <a:tailEnd type="none" w="med" len="med"/>
+                    </a:lnT>
+                    <a:lnB w="9525" cap="flat" cmpd="sng" algn="ctr">
+                      <a:solidFill>
+                        <a:srgbClr val="DFE2E5"/>
+                      </a:solidFill>
+                      <a:prstDash val="solid"/>
+                      <a:round/>
+                      <a:headEnd type="none" w="med" len="med"/>
+                      <a:tailEnd type="none" w="med" len="med"/>
+                    </a:lnB>
+                    <a:solidFill>
+                      <a:srgbClr val="F6F8FA"/>
+                    </a:solidFill>
+                  </a:tcPr>
+                </a:tc>
+                <a:tc>
+                  <a:txBody>
+                    <a:bodyPr/>
+                    <a:lstStyle/>
+                    <a:p>
+                      <a:r>
+                        <a:rPr lang="en-US" sz="1200" dirty="0">
+                          <a:effectLst/>
+                        </a:rPr>
+                        <a:t>(-87.65879785567869, 41.85045102427)</a:t>
+                      </a:r>
+                    </a:p>
+                  </a:txBody>
+                  <a:tcPr marL="41569" marR="41569" marT="19186" marB="19186" anchor="ctr">
+                    <a:lnL w="9525" cap="flat" cmpd="sng" algn="ctr">
+                      <a:solidFill>
+                        <a:srgbClr val="DFE2E5"/>
+                      </a:solidFill>
+                      <a:prstDash val="solid"/>
+                      <a:round/>
+                      <a:headEnd type="none" w="med" len="med"/>
+                      <a:tailEnd type="none" w="med" len="med"/>
+                    </a:lnL>
+                    <a:lnR w="9525" cap="flat" cmpd="sng" algn="ctr">
+                      <a:solidFill>
+                        <a:srgbClr val="DFE2E5"/>
+                      </a:solidFill>
+                      <a:prstDash val="solid"/>
+                      <a:round/>
+                      <a:headEnd type="none" w="med" len="med"/>
+                      <a:tailEnd type="none" w="med" len="med"/>
+                    </a:lnR>
+                    <a:lnT w="9525" cap="flat" cmpd="sng" algn="ctr">
+                      <a:solidFill>
+                        <a:srgbClr val="DFE2E5"/>
+                      </a:solidFill>
+                      <a:prstDash val="solid"/>
+                      <a:round/>
+                      <a:headEnd type="none" w="med" len="med"/>
+                      <a:tailEnd type="none" w="med" len="med"/>
+                    </a:lnT>
+                    <a:lnB w="9525" cap="flat" cmpd="sng" algn="ctr">
+                      <a:solidFill>
+                        <a:srgbClr val="DFE2E5"/>
+                      </a:solidFill>
+                      <a:prstDash val="solid"/>
+                      <a:round/>
+                      <a:headEnd type="none" w="med" len="med"/>
+                      <a:tailEnd type="none" w="med" len="med"/>
+                    </a:lnB>
+                    <a:solidFill>
+                      <a:srgbClr val="F6F8FA"/>
+                    </a:solidFill>
+                  </a:tcPr>
+                </a:tc>
+                <a:extLst>
+                  <a:ext uri="{0D108BD9-81ED-4DB2-BD59-A6C34878D82A}">
+                    <a16:rowId xmlns:a16="http://schemas.microsoft.com/office/drawing/2014/main" val="3485423486"/>
+                  </a:ext>
+                </a:extLst>
+              </a:tr>
+            </a:tbl>
+          </a:graphicData>
+        </a:graphic>
+      </p:graphicFrame>
     </p:spTree>
     <p:extLst>
       <p:ext uri="{BB962C8B-B14F-4D97-AF65-F5344CB8AC3E}">
@@ -3705,7 +6770,7 @@
                 <a:latin typeface="Calibri" panose="020F0502020204030204" pitchFamily="34" charset="0"/>
                 <a:cs typeface="Calibri" panose="020F0502020204030204" pitchFamily="34" charset="0"/>
               </a:rPr>
-              <a:t>Failure Rates by Establishment and Zip</a:t>
+              <a:t>Failure Rates by Facility Type and Zip</a:t>
             </a:r>
           </a:p>
         </p:txBody>
@@ -3815,7 +6880,12 @@
             <p:ph type="title"/>
           </p:nvPr>
         </p:nvSpPr>
-        <p:spPr/>
+        <p:spPr>
+          <a:xfrm>
+            <a:off x="838200" y="0"/>
+            <a:ext cx="10515600" cy="1325563"/>
+          </a:xfrm>
+        </p:spPr>
         <p:txBody>
           <a:bodyPr>
             <a:normAutofit/>
@@ -3855,8 +6925,8 @@
         </p:blipFill>
         <p:spPr>
           <a:xfrm>
-            <a:off x="385747" y="2184400"/>
-            <a:ext cx="6360213" cy="4114800"/>
+            <a:off x="71662" y="1752600"/>
+            <a:ext cx="6674298" cy="4318000"/>
           </a:xfrm>
           <a:prstGeom prst="rect">
             <a:avLst/>
@@ -3885,8 +6955,8 @@
         </p:blipFill>
         <p:spPr>
           <a:xfrm>
-            <a:off x="6745960" y="2043308"/>
-            <a:ext cx="4810093" cy="4442157"/>
+            <a:off x="6745960" y="1449917"/>
+            <a:ext cx="5331159" cy="4923365"/>
           </a:xfrm>
           <a:prstGeom prst="rect">
             <a:avLst/>
@@ -3939,7 +7009,12 @@
             <p:ph type="title"/>
           </p:nvPr>
         </p:nvSpPr>
-        <p:spPr/>
+        <p:spPr>
+          <a:xfrm>
+            <a:off x="838200" y="0"/>
+            <a:ext cx="10515600" cy="1325563"/>
+          </a:xfrm>
+        </p:spPr>
         <p:txBody>
           <a:bodyPr>
             <a:normAutofit/>
@@ -3979,7 +7054,7 @@
         </p:blipFill>
         <p:spPr>
           <a:xfrm>
-            <a:off x="6388100" y="2321983"/>
+            <a:off x="6388100" y="2820757"/>
             <a:ext cx="4965700" cy="3670300"/>
           </a:xfrm>
           <a:prstGeom prst="rect">
@@ -4009,7 +7084,7 @@
         </p:blipFill>
         <p:spPr>
           <a:xfrm>
-            <a:off x="550333" y="2321983"/>
+            <a:off x="550333" y="2820757"/>
             <a:ext cx="4927600" cy="3695700"/>
           </a:xfrm>
           <a:prstGeom prst="rect">
@@ -4031,7 +7106,7 @@
         </p:nvSpPr>
         <p:spPr>
           <a:xfrm>
-            <a:off x="1807338" y="1821669"/>
+            <a:off x="1807338" y="2320443"/>
             <a:ext cx="2562446" cy="369332"/>
           </a:xfrm>
           <a:prstGeom prst="rect">
@@ -4066,7 +7141,7 @@
         </p:nvSpPr>
         <p:spPr>
           <a:xfrm>
-            <a:off x="8525392" y="1821669"/>
+            <a:off x="8525392" y="2320443"/>
             <a:ext cx="969482" cy="369332"/>
           </a:xfrm>
           <a:prstGeom prst="rect">
@@ -4083,6 +7158,42 @@
             <a:r>
               <a:rPr lang="en-US" dirty="0"/>
               <a:t>XGBoost</a:t>
+            </a:r>
+          </a:p>
+        </p:txBody>
+      </p:sp>
+      <p:sp>
+        <p:nvSpPr>
+          <p:cNvPr id="10" name="TextBox 9">
+            <a:extLst>
+              <a:ext uri="{FF2B5EF4-FFF2-40B4-BE49-F238E27FC236}">
+                <a16:creationId xmlns:a16="http://schemas.microsoft.com/office/drawing/2014/main" id="{8E89E864-1A5C-3040-8F66-7C3DBA963F2F}"/>
+              </a:ext>
+            </a:extLst>
+          </p:cNvPr>
+          <p:cNvSpPr txBox="1"/>
+          <p:nvPr/>
+        </p:nvSpPr>
+        <p:spPr>
+          <a:xfrm>
+            <a:off x="3088561" y="994880"/>
+            <a:ext cx="5842000" cy="923330"/>
+          </a:xfrm>
+          <a:prstGeom prst="rect">
+            <a:avLst/>
+          </a:prstGeom>
+          <a:noFill/>
+        </p:spPr>
+        <p:txBody>
+          <a:bodyPr wrap="square" rtlCol="0">
+            <a:spAutoFit/>
+          </a:bodyPr>
+          <a:lstStyle/>
+          <a:p>
+            <a:pPr algn="ctr"/>
+            <a:r>
+              <a:rPr lang="en-US" dirty="0"/>
+              <a:t>The response rate is ~22% with accuracy ~78%, so precision (actual failures out of predicted failures) and recall (rate of failures captured) are a bit more informative.</a:t>
             </a:r>
           </a:p>
         </p:txBody>
@@ -4122,7 +7233,7 @@
           <p:cNvPr id="2" name="Title 1">
             <a:extLst>
               <a:ext uri="{FF2B5EF4-FFF2-40B4-BE49-F238E27FC236}">
-                <a16:creationId xmlns:a16="http://schemas.microsoft.com/office/drawing/2014/main" id="{FE7F6C81-2BC3-5F47-BC00-6800575A528A}"/>
+                <a16:creationId xmlns:a16="http://schemas.microsoft.com/office/drawing/2014/main" id="{D1506016-B06A-8245-9E78-5BE6164C05EC}"/>
               </a:ext>
             </a:extLst>
           </p:cNvPr>
@@ -4133,7 +7244,12 @@
             <p:ph type="title"/>
           </p:nvPr>
         </p:nvSpPr>
-        <p:spPr/>
+        <p:spPr>
+          <a:xfrm>
+            <a:off x="850900" y="0"/>
+            <a:ext cx="10515600" cy="1325563"/>
+          </a:xfrm>
+        </p:spPr>
         <p:txBody>
           <a:bodyPr>
             <a:normAutofit/>
@@ -4146,38 +7262,39 @@
                 <a:latin typeface="Calibri" panose="020F0502020204030204" pitchFamily="34" charset="0"/>
                 <a:cs typeface="Calibri" panose="020F0502020204030204" pitchFamily="34" charset="0"/>
               </a:rPr>
-              <a:t>Refitting with Predictive Features to Measure Effects</a:t>
-            </a:r>
+              <a:t>Most Predictive Features from the Lasso Model without Median Household Income</a:t>
+            </a:r>
+            <a:endParaRPr lang="en-US" sz="3000" dirty="0"/>
           </a:p>
         </p:txBody>
       </p:sp>
       <p:pic>
         <p:nvPicPr>
-          <p:cNvPr id="5" name="Content Placeholder 4">
-            <a:extLst>
-              <a:ext uri="{FF2B5EF4-FFF2-40B4-BE49-F238E27FC236}">
-                <a16:creationId xmlns:a16="http://schemas.microsoft.com/office/drawing/2014/main" id="{CAD51C9B-C1EA-0D4E-82D8-1377E275957C}"/>
+          <p:cNvPr id="5" name="Picture 4">
+            <a:extLst>
+              <a:ext uri="{FF2B5EF4-FFF2-40B4-BE49-F238E27FC236}">
+                <a16:creationId xmlns:a16="http://schemas.microsoft.com/office/drawing/2014/main" id="{FAB4FF39-A9BE-7E44-B037-78EFFF5A9A54}"/>
               </a:ext>
             </a:extLst>
           </p:cNvPr>
           <p:cNvPicPr>
-            <a:picLocks noGrp="1" noChangeAspect="1"/>
+            <a:picLocks noChangeAspect="1"/>
           </p:cNvPicPr>
-          <p:nvPr>
-            <p:ph idx="1"/>
-          </p:nvPr>
+          <p:nvPr/>
         </p:nvPicPr>
-        <p:blipFill>
+        <p:blipFill rotWithShape="1">
           <a:blip r:embed="rId2"/>
-          <a:stretch>
-            <a:fillRect/>
-          </a:stretch>
+          <a:srcRect r="2065"/>
+          <a:stretch/>
         </p:blipFill>
         <p:spPr>
           <a:xfrm>
-            <a:off x="838200" y="1417879"/>
-            <a:ext cx="6283841" cy="5216283"/>
+            <a:off x="3858985" y="1439861"/>
+            <a:ext cx="6022767" cy="5117814"/>
           </a:xfrm>
+          <a:prstGeom prst="rect">
+            <a:avLst/>
+          </a:prstGeom>
         </p:spPr>
       </p:pic>
       <p:sp>
@@ -4185,7 +7302,7 @@
           <p:cNvPr id="6" name="TextBox 5">
             <a:extLst>
               <a:ext uri="{FF2B5EF4-FFF2-40B4-BE49-F238E27FC236}">
-                <a16:creationId xmlns:a16="http://schemas.microsoft.com/office/drawing/2014/main" id="{4985038F-6FAD-A34C-899C-026902C72058}"/>
+                <a16:creationId xmlns:a16="http://schemas.microsoft.com/office/drawing/2014/main" id="{633E868C-30CD-FD42-A385-CA44A30A2C12}"/>
               </a:ext>
             </a:extLst>
           </p:cNvPr>
@@ -4194,8 +7311,8 @@
         </p:nvSpPr>
         <p:spPr>
           <a:xfrm>
-            <a:off x="8420986" y="1690688"/>
-            <a:ext cx="2550042" cy="646331"/>
+            <a:off x="9881752" y="1719696"/>
+            <a:ext cx="2170548" cy="4308872"/>
           </a:xfrm>
           <a:prstGeom prst="rect">
             <a:avLst/>
@@ -4208,87 +7325,88 @@
           </a:bodyPr>
           <a:lstStyle/>
           <a:p>
-            <a:r>
-              <a:rPr lang="en-US" dirty="0"/>
-              <a:t>All features statistically significant with p &lt; 0.001</a:t>
+            <a:pPr marL="285750" indent="-285750">
+              <a:buFont typeface="Arial" panose="020B0604020202020204" pitchFamily="34" charset="0"/>
+              <a:buChar char="•"/>
+            </a:pPr>
+            <a:r>
+              <a:rPr lang="en-US" sz="1600" dirty="0"/>
+              <a:t>Only top predictors from full Lasso model shown: abs(coefficient) &gt; 0.5</a:t>
+            </a:r>
+          </a:p>
+          <a:p>
+            <a:pPr marL="285750" indent="-285750">
+              <a:buFont typeface="Arial" panose="020B0604020202020204" pitchFamily="34" charset="0"/>
+              <a:buChar char="•"/>
+            </a:pPr>
+            <a:endParaRPr lang="en-US" sz="1600" dirty="0"/>
+          </a:p>
+          <a:p>
+            <a:pPr marL="285750" indent="-285750">
+              <a:buFont typeface="Arial" panose="020B0604020202020204" pitchFamily="34" charset="0"/>
+              <a:buChar char="•"/>
+            </a:pPr>
+            <a:r>
+              <a:rPr lang="en-US" sz="1600" dirty="0"/>
+              <a:t>PR AUC is about the same as with median household income included (delta &lt; 0.01)</a:t>
+            </a:r>
+          </a:p>
+          <a:p>
+            <a:pPr marL="285750" indent="-285750">
+              <a:buFont typeface="Arial" panose="020B0604020202020204" pitchFamily="34" charset="0"/>
+              <a:buChar char="•"/>
+            </a:pPr>
+            <a:endParaRPr lang="en-US" sz="1600" dirty="0"/>
+          </a:p>
+          <a:p>
+            <a:pPr marL="285750" indent="-285750">
+              <a:buFont typeface="Arial" panose="020B0604020202020204" pitchFamily="34" charset="0"/>
+              <a:buChar char="•"/>
+            </a:pPr>
+            <a:r>
+              <a:rPr lang="en-US" sz="1600" u="sng" dirty="0"/>
+              <a:t>Protective zip code predictors are among the highest by median household </a:t>
+            </a:r>
+            <a:r>
+              <a:rPr lang="en-US" u="sng" dirty="0"/>
+              <a:t>income</a:t>
             </a:r>
           </a:p>
         </p:txBody>
       </p:sp>
-      <p:sp>
-        <p:nvSpPr>
-          <p:cNvPr id="7" name="TextBox 6">
-            <a:extLst>
-              <a:ext uri="{FF2B5EF4-FFF2-40B4-BE49-F238E27FC236}">
-                <a16:creationId xmlns:a16="http://schemas.microsoft.com/office/drawing/2014/main" id="{CC24DE41-0ED9-724C-ACE9-50896CE76050}"/>
-              </a:ext>
-            </a:extLst>
-          </p:cNvPr>
-          <p:cNvSpPr txBox="1"/>
+      <p:pic>
+        <p:nvPicPr>
+          <p:cNvPr id="8" name="Picture 7">
+            <a:extLst>
+              <a:ext uri="{FF2B5EF4-FFF2-40B4-BE49-F238E27FC236}">
+                <a16:creationId xmlns:a16="http://schemas.microsoft.com/office/drawing/2014/main" id="{F9F55364-EBE7-704A-9718-C5B7DF890E0A}"/>
+              </a:ext>
+            </a:extLst>
+          </p:cNvPr>
+          <p:cNvPicPr>
+            <a:picLocks noChangeAspect="1"/>
+          </p:cNvPicPr>
           <p:nvPr/>
-        </p:nvSpPr>
+        </p:nvPicPr>
+        <p:blipFill rotWithShape="1">
+          <a:blip r:embed="rId3"/>
+          <a:srcRect r="2565"/>
+          <a:stretch/>
+        </p:blipFill>
         <p:spPr>
           <a:xfrm>
-            <a:off x="7634177" y="3662582"/>
-            <a:ext cx="3414823" cy="646331"/>
+            <a:off x="0" y="1226359"/>
+            <a:ext cx="3858985" cy="5544819"/>
           </a:xfrm>
           <a:prstGeom prst="rect">
             <a:avLst/>
           </a:prstGeom>
-          <a:noFill/>
         </p:spPr>
-        <p:txBody>
-          <a:bodyPr wrap="square" rtlCol="0">
-            <a:spAutoFit/>
-          </a:bodyPr>
-          <a:lstStyle/>
-          <a:p>
-            <a:r>
-              <a:rPr lang="en-US" dirty="0"/>
-              <a:t>WHAT DO WE GET BY INCLUDING MEDIAN HOUSEHOLD INCOME?</a:t>
-            </a:r>
-          </a:p>
-        </p:txBody>
-      </p:sp>
-      <p:sp>
-        <p:nvSpPr>
-          <p:cNvPr id="8" name="TextBox 7">
-            <a:extLst>
-              <a:ext uri="{FF2B5EF4-FFF2-40B4-BE49-F238E27FC236}">
-                <a16:creationId xmlns:a16="http://schemas.microsoft.com/office/drawing/2014/main" id="{6DDA5A67-1564-CF4B-B4B4-7178F5858EAD}"/>
-              </a:ext>
-            </a:extLst>
-          </p:cNvPr>
-          <p:cNvSpPr txBox="1"/>
-          <p:nvPr/>
-        </p:nvSpPr>
-        <p:spPr>
-          <a:xfrm>
-            <a:off x="7634177" y="5172811"/>
-            <a:ext cx="3414823" cy="923330"/>
-          </a:xfrm>
-          <a:prstGeom prst="rect">
-            <a:avLst/>
-          </a:prstGeom>
-          <a:noFill/>
-        </p:spPr>
-        <p:txBody>
-          <a:bodyPr wrap="square" rtlCol="0">
-            <a:spAutoFit/>
-          </a:bodyPr>
-          <a:lstStyle/>
-          <a:p>
-            <a:r>
-              <a:rPr lang="en-US" dirty="0"/>
-              <a:t>WHAT COULD WE GET BY ADDING MORE CENSUS OR DATA OR OTHER CONTROLS?</a:t>
-            </a:r>
-          </a:p>
-        </p:txBody>
-      </p:sp>
+      </p:pic>
     </p:spTree>
     <p:extLst>
       <p:ext uri="{BB962C8B-B14F-4D97-AF65-F5344CB8AC3E}">
-        <p14:creationId xmlns:p14="http://schemas.microsoft.com/office/powerpoint/2010/main" val="4087843946"/>
+        <p14:creationId xmlns:p14="http://schemas.microsoft.com/office/powerpoint/2010/main" val="3729489212"/>
       </p:ext>
     </p:extLst>
   </p:cSld>
@@ -4320,7 +7438,7 @@
           <p:cNvPr id="2" name="Title 1">
             <a:extLst>
               <a:ext uri="{FF2B5EF4-FFF2-40B4-BE49-F238E27FC236}">
-                <a16:creationId xmlns:a16="http://schemas.microsoft.com/office/drawing/2014/main" id="{D1096724-D00F-1D42-B3FE-9AE34985D1ED}"/>
+                <a16:creationId xmlns:a16="http://schemas.microsoft.com/office/drawing/2014/main" id="{FE7F6C81-2BC3-5F47-BC00-6800575A528A}"/>
               </a:ext>
             </a:extLst>
           </p:cNvPr>
@@ -4331,7 +7449,12 @@
             <p:ph type="title"/>
           </p:nvPr>
         </p:nvSpPr>
-        <p:spPr/>
+        <p:spPr>
+          <a:xfrm>
+            <a:off x="838200" y="0"/>
+            <a:ext cx="10515600" cy="1325563"/>
+          </a:xfrm>
+        </p:spPr>
         <p:txBody>
           <a:bodyPr>
             <a:normAutofit/>
@@ -4344,6 +7467,194 @@
                 <a:latin typeface="Calibri" panose="020F0502020204030204" pitchFamily="34" charset="0"/>
                 <a:cs typeface="Calibri" panose="020F0502020204030204" pitchFamily="34" charset="0"/>
               </a:rPr>
+              <a:t>Refitting with Predictive Features to Measure Effects and Controlling for Median Household Income</a:t>
+            </a:r>
+          </a:p>
+        </p:txBody>
+      </p:sp>
+      <p:pic>
+        <p:nvPicPr>
+          <p:cNvPr id="5" name="Content Placeholder 4">
+            <a:extLst>
+              <a:ext uri="{FF2B5EF4-FFF2-40B4-BE49-F238E27FC236}">
+                <a16:creationId xmlns:a16="http://schemas.microsoft.com/office/drawing/2014/main" id="{CAD51C9B-C1EA-0D4E-82D8-1377E275957C}"/>
+              </a:ext>
+            </a:extLst>
+          </p:cNvPr>
+          <p:cNvPicPr>
+            <a:picLocks noGrp="1" noChangeAspect="1"/>
+          </p:cNvPicPr>
+          <p:nvPr>
+            <p:ph idx="1"/>
+          </p:nvPr>
+        </p:nvPicPr>
+        <p:blipFill>
+          <a:blip r:embed="rId2"/>
+          <a:stretch>
+            <a:fillRect/>
+          </a:stretch>
+        </p:blipFill>
+        <p:spPr>
+          <a:xfrm>
+            <a:off x="203200" y="1216511"/>
+            <a:ext cx="6629400" cy="5503135"/>
+          </a:xfrm>
+        </p:spPr>
+      </p:pic>
+      <p:sp>
+        <p:nvSpPr>
+          <p:cNvPr id="10" name="TextBox 9">
+            <a:extLst>
+              <a:ext uri="{FF2B5EF4-FFF2-40B4-BE49-F238E27FC236}">
+                <a16:creationId xmlns:a16="http://schemas.microsoft.com/office/drawing/2014/main" id="{A5BC26CE-94D6-5849-BC45-9DE77CD923BE}"/>
+              </a:ext>
+            </a:extLst>
+          </p:cNvPr>
+          <p:cNvSpPr txBox="1"/>
+          <p:nvPr/>
+        </p:nvSpPr>
+        <p:spPr>
+          <a:xfrm>
+            <a:off x="7454900" y="1511249"/>
+            <a:ext cx="3987800" cy="4401205"/>
+          </a:xfrm>
+          <a:prstGeom prst="rect">
+            <a:avLst/>
+          </a:prstGeom>
+          <a:noFill/>
+        </p:spPr>
+        <p:txBody>
+          <a:bodyPr wrap="square" rtlCol="0">
+            <a:spAutoFit/>
+          </a:bodyPr>
+          <a:lstStyle/>
+          <a:p>
+            <a:pPr marL="342900" indent="-342900">
+              <a:buFont typeface="Arial" panose="020B0604020202020204" pitchFamily="34" charset="0"/>
+              <a:buChar char="•"/>
+            </a:pPr>
+            <a:r>
+              <a:rPr lang="en-US" sz="2000" dirty="0"/>
+              <a:t>Only top predictors: abs(coefficient) &gt; 0.5 from full Lasso model included in new Logistic Regression model with no penalization</a:t>
+            </a:r>
+          </a:p>
+          <a:p>
+            <a:pPr marL="285750" indent="-285750">
+              <a:buFont typeface="Arial" panose="020B0604020202020204" pitchFamily="34" charset="0"/>
+              <a:buChar char="•"/>
+            </a:pPr>
+            <a:endParaRPr lang="en-US" sz="2000" dirty="0"/>
+          </a:p>
+          <a:p>
+            <a:pPr marL="285750" indent="-285750">
+              <a:buFont typeface="Arial" panose="020B0604020202020204" pitchFamily="34" charset="0"/>
+              <a:buChar char="•"/>
+            </a:pPr>
+            <a:r>
+              <a:rPr lang="en-US" sz="2000" dirty="0"/>
+              <a:t>All features statistically significant with p &lt; 0.001</a:t>
+            </a:r>
+          </a:p>
+          <a:p>
+            <a:pPr marL="285750" indent="-285750">
+              <a:buFont typeface="Arial" panose="020B0604020202020204" pitchFamily="34" charset="0"/>
+              <a:buChar char="•"/>
+            </a:pPr>
+            <a:endParaRPr lang="en-US" sz="2000" dirty="0"/>
+          </a:p>
+          <a:p>
+            <a:pPr marL="285750" indent="-285750">
+              <a:buFont typeface="Arial" panose="020B0604020202020204" pitchFamily="34" charset="0"/>
+              <a:buChar char="•"/>
+            </a:pPr>
+            <a:r>
+              <a:rPr lang="en-US" sz="2000" dirty="0"/>
+              <a:t>0.322 PR AUC vs 3.87</a:t>
+            </a:r>
+          </a:p>
+          <a:p>
+            <a:pPr marL="285750" indent="-285750">
+              <a:buFont typeface="Arial" panose="020B0604020202020204" pitchFamily="34" charset="0"/>
+              <a:buChar char="•"/>
+            </a:pPr>
+            <a:endParaRPr lang="en-US" sz="2000" dirty="0"/>
+          </a:p>
+          <a:p>
+            <a:pPr marL="285750" indent="-285750">
+              <a:buFont typeface="Arial" panose="020B0604020202020204" pitchFamily="34" charset="0"/>
+              <a:buChar char="•"/>
+            </a:pPr>
+            <a:r>
+              <a:rPr lang="en-US" sz="2000" u="sng" dirty="0"/>
+              <a:t>With household income included, zip features are no longer among the most predictive</a:t>
+            </a:r>
+          </a:p>
+        </p:txBody>
+      </p:sp>
+    </p:spTree>
+    <p:extLst>
+      <p:ext uri="{BB962C8B-B14F-4D97-AF65-F5344CB8AC3E}">
+        <p14:creationId xmlns:p14="http://schemas.microsoft.com/office/powerpoint/2010/main" val="4087843946"/>
+      </p:ext>
+    </p:extLst>
+  </p:cSld>
+  <p:clrMapOvr>
+    <a:masterClrMapping/>
+  </p:clrMapOvr>
+</p:sld>
+</file>
+
+<file path=ppt/slides/slide9.xml><?xml version="1.0" encoding="utf-8"?>
+<p:sld xmlns:a="http://schemas.openxmlformats.org/drawingml/2006/main" xmlns:r="http://schemas.openxmlformats.org/officeDocument/2006/relationships" xmlns:p="http://schemas.openxmlformats.org/presentationml/2006/main">
+  <p:cSld>
+    <p:spTree>
+      <p:nvGrpSpPr>
+        <p:cNvPr id="1" name=""/>
+        <p:cNvGrpSpPr/>
+        <p:nvPr/>
+      </p:nvGrpSpPr>
+      <p:grpSpPr>
+        <a:xfrm>
+          <a:off x="0" y="0"/>
+          <a:ext cx="0" cy="0"/>
+          <a:chOff x="0" y="0"/>
+          <a:chExt cx="0" cy="0"/>
+        </a:xfrm>
+      </p:grpSpPr>
+      <p:sp>
+        <p:nvSpPr>
+          <p:cNvPr id="2" name="Title 1">
+            <a:extLst>
+              <a:ext uri="{FF2B5EF4-FFF2-40B4-BE49-F238E27FC236}">
+                <a16:creationId xmlns:a16="http://schemas.microsoft.com/office/drawing/2014/main" id="{33E6475B-9A6D-E041-B83D-FB8242A2845A}"/>
+              </a:ext>
+            </a:extLst>
+          </p:cNvPr>
+          <p:cNvSpPr>
+            <a:spLocks noGrp="1"/>
+          </p:cNvSpPr>
+          <p:nvPr>
+            <p:ph type="title"/>
+          </p:nvPr>
+        </p:nvSpPr>
+        <p:spPr>
+          <a:xfrm>
+            <a:off x="838200" y="0"/>
+            <a:ext cx="10515600" cy="1325563"/>
+          </a:xfrm>
+        </p:spPr>
+        <p:txBody>
+          <a:bodyPr>
+            <a:normAutofit/>
+          </a:bodyPr>
+          <a:lstStyle/>
+          <a:p>
+            <a:pPr algn="ctr"/>
+            <a:r>
+              <a:rPr lang="en-US" sz="3000" b="1" dirty="0">
+                <a:latin typeface="Calibri" panose="020F0502020204030204" pitchFamily="34" charset="0"/>
+                <a:cs typeface="Calibri" panose="020F0502020204030204" pitchFamily="34" charset="0"/>
+              </a:rPr>
               <a:t>Reflection</a:t>
             </a:r>
           </a:p>
@@ -4354,7 +7665,7 @@
           <p:cNvPr id="3" name="Content Placeholder 2">
             <a:extLst>
               <a:ext uri="{FF2B5EF4-FFF2-40B4-BE49-F238E27FC236}">
-                <a16:creationId xmlns:a16="http://schemas.microsoft.com/office/drawing/2014/main" id="{B943C0DC-71DF-A34F-B660-B122F526F78D}"/>
+                <a16:creationId xmlns:a16="http://schemas.microsoft.com/office/drawing/2014/main" id="{3F99268D-E483-654C-90C7-EADD6FEBFA38}"/>
               </a:ext>
             </a:extLst>
           </p:cNvPr>
@@ -4365,19 +7676,77 @@
             <p:ph idx="1"/>
           </p:nvPr>
         </p:nvSpPr>
-        <p:spPr/>
+        <p:spPr>
+          <a:xfrm>
+            <a:off x="838200" y="1046163"/>
+            <a:ext cx="10515600" cy="4351338"/>
+          </a:xfrm>
+        </p:spPr>
         <p:txBody>
-          <a:bodyPr/>
+          <a:bodyPr>
+            <a:noAutofit/>
+          </a:bodyPr>
           <a:lstStyle/>
           <a:p>
-            <a:endParaRPr lang="en-US"/>
+            <a:r>
+              <a:rPr lang="en-US" sz="2600" dirty="0"/>
+              <a:t>Median household income dominates zip, latitude, and longitude in the regression model</a:t>
+            </a:r>
+          </a:p>
+          <a:p>
+            <a:endParaRPr lang="en-US" sz="2600" dirty="0"/>
+          </a:p>
+          <a:p>
+            <a:r>
+              <a:rPr lang="en-US" sz="2600" dirty="0"/>
+              <a:t>Would we want to classify food establishments as likely to fail based on median household income?  (No)</a:t>
+            </a:r>
+          </a:p>
+          <a:p>
+            <a:endParaRPr lang="en-US" sz="2600" dirty="0"/>
+          </a:p>
+          <a:p>
+            <a:r>
+              <a:rPr lang="en-US" sz="2600" dirty="0"/>
+              <a:t>Can other variables be included, from census data or otherwise, to identify factors that contribute to failing inspections in an effort to:</a:t>
+            </a:r>
+          </a:p>
+          <a:p>
+            <a:endParaRPr lang="en-US" sz="2600" dirty="0"/>
+          </a:p>
+          <a:p>
+            <a:pPr marL="971550" lvl="1" indent="-514350">
+              <a:buFont typeface="+mj-lt"/>
+              <a:buAutoNum type="arabicPeriod"/>
+            </a:pPr>
+            <a:r>
+              <a:rPr lang="en-US" sz="2600" dirty="0"/>
+              <a:t>Increase precision and recall</a:t>
+            </a:r>
+          </a:p>
+          <a:p>
+            <a:pPr marL="971550" lvl="1" indent="-514350">
+              <a:buFont typeface="+mj-lt"/>
+              <a:buAutoNum type="arabicPeriod"/>
+            </a:pPr>
+            <a:endParaRPr lang="en-US" sz="2600" dirty="0"/>
+          </a:p>
+          <a:p>
+            <a:pPr marL="971550" lvl="1" indent="-514350">
+              <a:buFont typeface="+mj-lt"/>
+              <a:buAutoNum type="arabicPeriod"/>
+            </a:pPr>
+            <a:r>
+              <a:rPr lang="en-US" sz="2600" dirty="0"/>
+              <a:t>Ensure that aspects related to food safety and the quality of the food preparation environment are driving predictions</a:t>
+            </a:r>
           </a:p>
         </p:txBody>
       </p:sp>
     </p:spTree>
     <p:extLst>
       <p:ext uri="{BB962C8B-B14F-4D97-AF65-F5344CB8AC3E}">
-        <p14:creationId xmlns:p14="http://schemas.microsoft.com/office/powerpoint/2010/main" val="3094739889"/>
+        <p14:creationId xmlns:p14="http://schemas.microsoft.com/office/powerpoint/2010/main" val="2542661680"/>
       </p:ext>
     </p:extLst>
   </p:cSld>

--- a/final_project/data512_final_project_presentation.pptx
+++ b/final_project/data512_final_project_presentation.pptx
@@ -14,6 +14,8 @@
     <p:sldId id="265" r:id="rId8"/>
     <p:sldId id="263" r:id="rId9"/>
     <p:sldId id="266" r:id="rId10"/>
+    <p:sldId id="267" r:id="rId11"/>
+    <p:sldId id="268" r:id="rId12"/>
   </p:sldIdLst>
   <p:sldSz cx="12192000" cy="6858000"/>
   <p:notesSz cx="6858000" cy="9144000"/>
@@ -3426,6 +3428,239 @@
 </p:sld>
 </file>
 
+<file path=ppt/slides/slide10.xml><?xml version="1.0" encoding="utf-8"?>
+<p:sld xmlns:a="http://schemas.openxmlformats.org/drawingml/2006/main" xmlns:r="http://schemas.openxmlformats.org/officeDocument/2006/relationships" xmlns:p="http://schemas.openxmlformats.org/presentationml/2006/main">
+  <p:cSld>
+    <p:spTree>
+      <p:nvGrpSpPr>
+        <p:cNvPr id="1" name=""/>
+        <p:cNvGrpSpPr/>
+        <p:nvPr/>
+      </p:nvGrpSpPr>
+      <p:grpSpPr>
+        <a:xfrm>
+          <a:off x="0" y="0"/>
+          <a:ext cx="0" cy="0"/>
+          <a:chOff x="0" y="0"/>
+          <a:chExt cx="0" cy="0"/>
+        </a:xfrm>
+      </p:grpSpPr>
+      <p:sp>
+        <p:nvSpPr>
+          <p:cNvPr id="2" name="Title 1">
+            <a:extLst>
+              <a:ext uri="{FF2B5EF4-FFF2-40B4-BE49-F238E27FC236}">
+                <a16:creationId xmlns:a16="http://schemas.microsoft.com/office/drawing/2014/main" id="{51EA971A-2B01-4243-86F2-C2F0B82BFE18}"/>
+              </a:ext>
+            </a:extLst>
+          </p:cNvPr>
+          <p:cNvSpPr>
+            <a:spLocks noGrp="1"/>
+          </p:cNvSpPr>
+          <p:nvPr>
+            <p:ph type="title"/>
+          </p:nvPr>
+        </p:nvSpPr>
+        <p:spPr>
+          <a:xfrm>
+            <a:off x="838200" y="0"/>
+            <a:ext cx="10515600" cy="1325563"/>
+          </a:xfrm>
+        </p:spPr>
+        <p:txBody>
+          <a:bodyPr>
+            <a:normAutofit/>
+          </a:bodyPr>
+          <a:lstStyle/>
+          <a:p>
+            <a:pPr algn="ctr"/>
+            <a:r>
+              <a:rPr lang="en-US" sz="3000" b="1" dirty="0">
+                <a:latin typeface="Calibri" panose="020F0502020204030204" pitchFamily="34" charset="0"/>
+                <a:cs typeface="Calibri" panose="020F0502020204030204" pitchFamily="34" charset="0"/>
+              </a:rPr>
+              <a:t>Appendix</a:t>
+            </a:r>
+          </a:p>
+        </p:txBody>
+      </p:sp>
+    </p:spTree>
+    <p:extLst>
+      <p:ext uri="{BB962C8B-B14F-4D97-AF65-F5344CB8AC3E}">
+        <p14:creationId xmlns:p14="http://schemas.microsoft.com/office/powerpoint/2010/main" val="1148874416"/>
+      </p:ext>
+    </p:extLst>
+  </p:cSld>
+  <p:clrMapOvr>
+    <a:masterClrMapping/>
+  </p:clrMapOvr>
+</p:sld>
+</file>
+
+<file path=ppt/slides/slide11.xml><?xml version="1.0" encoding="utf-8"?>
+<p:sld xmlns:a="http://schemas.openxmlformats.org/drawingml/2006/main" xmlns:r="http://schemas.openxmlformats.org/officeDocument/2006/relationships" xmlns:p="http://schemas.openxmlformats.org/presentationml/2006/main">
+  <p:cSld>
+    <p:spTree>
+      <p:nvGrpSpPr>
+        <p:cNvPr id="1" name=""/>
+        <p:cNvGrpSpPr/>
+        <p:nvPr/>
+      </p:nvGrpSpPr>
+      <p:grpSpPr>
+        <a:xfrm>
+          <a:off x="0" y="0"/>
+          <a:ext cx="0" cy="0"/>
+          <a:chOff x="0" y="0"/>
+          <a:chExt cx="0" cy="0"/>
+        </a:xfrm>
+      </p:grpSpPr>
+      <p:sp>
+        <p:nvSpPr>
+          <p:cNvPr id="2" name="Title 1">
+            <a:extLst>
+              <a:ext uri="{FF2B5EF4-FFF2-40B4-BE49-F238E27FC236}">
+                <a16:creationId xmlns:a16="http://schemas.microsoft.com/office/drawing/2014/main" id="{51EA971A-2B01-4243-86F2-C2F0B82BFE18}"/>
+              </a:ext>
+            </a:extLst>
+          </p:cNvPr>
+          <p:cNvSpPr>
+            <a:spLocks noGrp="1"/>
+          </p:cNvSpPr>
+          <p:nvPr>
+            <p:ph type="title"/>
+          </p:nvPr>
+        </p:nvSpPr>
+        <p:spPr>
+          <a:xfrm>
+            <a:off x="805742" y="0"/>
+            <a:ext cx="10515600" cy="1325563"/>
+          </a:xfrm>
+        </p:spPr>
+        <p:txBody>
+          <a:bodyPr>
+            <a:normAutofit/>
+          </a:bodyPr>
+          <a:lstStyle/>
+          <a:p>
+            <a:pPr algn="ctr"/>
+            <a:r>
+              <a:rPr lang="en-US" sz="3000" b="1" dirty="0">
+                <a:latin typeface="Calibri" panose="020F0502020204030204" pitchFamily="34" charset="0"/>
+                <a:cs typeface="Calibri" panose="020F0502020204030204" pitchFamily="34" charset="0"/>
+              </a:rPr>
+              <a:t>Definitions</a:t>
+            </a:r>
+          </a:p>
+        </p:txBody>
+      </p:sp>
+      <p:sp>
+        <p:nvSpPr>
+          <p:cNvPr id="3" name="Content Placeholder 2">
+            <a:extLst>
+              <a:ext uri="{FF2B5EF4-FFF2-40B4-BE49-F238E27FC236}">
+                <a16:creationId xmlns:a16="http://schemas.microsoft.com/office/drawing/2014/main" id="{C842FA9C-27D5-2B4D-8103-00D5D08CED2C}"/>
+              </a:ext>
+            </a:extLst>
+          </p:cNvPr>
+          <p:cNvSpPr>
+            <a:spLocks noGrp="1"/>
+          </p:cNvSpPr>
+          <p:nvPr>
+            <p:ph idx="1"/>
+          </p:nvPr>
+        </p:nvSpPr>
+        <p:spPr>
+          <a:xfrm>
+            <a:off x="224118" y="858645"/>
+            <a:ext cx="11678848" cy="5211850"/>
+          </a:xfrm>
+        </p:spPr>
+        <p:txBody>
+          <a:bodyPr>
+            <a:noAutofit/>
+          </a:bodyPr>
+          <a:lstStyle/>
+          <a:p>
+            <a:pPr marL="0" indent="0">
+              <a:buNone/>
+            </a:pPr>
+            <a:endParaRPr lang="en-US" sz="1200" dirty="0"/>
+          </a:p>
+          <a:p>
+            <a:pPr marL="0" indent="0">
+              <a:buNone/>
+            </a:pPr>
+            <a:endParaRPr lang="en-US" sz="1200" dirty="0"/>
+          </a:p>
+          <a:p>
+            <a:pPr marL="0" indent="0">
+              <a:buNone/>
+            </a:pPr>
+            <a:endParaRPr lang="en-US" sz="1200" dirty="0"/>
+          </a:p>
+          <a:p>
+            <a:pPr marL="457200" lvl="1" indent="0">
+              <a:buNone/>
+            </a:pPr>
+            <a:r>
+              <a:rPr lang="en-US" sz="1700" b="1" dirty="0"/>
+              <a:t>RR: ratio of the probability of the outcome in the exposed group to the probability of the outcome in the unexposed group</a:t>
+            </a:r>
+          </a:p>
+          <a:p>
+            <a:pPr marL="457200" lvl="1" indent="0">
+              <a:buNone/>
+            </a:pPr>
+            <a:r>
+              <a:rPr lang="en-US" sz="1700" dirty="0"/>
+              <a:t>RR = (exposed cases / (exposed cases + unexposed cases)) / (exposed controls / (exposed controls + unexposed controls))</a:t>
+            </a:r>
+          </a:p>
+          <a:p>
+            <a:pPr marL="457200" lvl="1" indent="0">
+              <a:buNone/>
+            </a:pPr>
+            <a:endParaRPr lang="en-US" sz="1700" dirty="0"/>
+          </a:p>
+          <a:p>
+            <a:pPr marL="457200" lvl="1" indent="0">
+              <a:buNone/>
+            </a:pPr>
+            <a:r>
+              <a:rPr lang="en-US" sz="1700" b="1" dirty="0"/>
+              <a:t>OR: ratio of the odds of being exposed as a case to the odds of being exposed as a control</a:t>
+            </a:r>
+          </a:p>
+          <a:p>
+            <a:pPr marL="457200" lvl="1" indent="0">
+              <a:buNone/>
+            </a:pPr>
+            <a:r>
+              <a:rPr lang="en-US" sz="1700" dirty="0"/>
+              <a:t>OR = (exposed cases / unexposed cases) / (exposed controls / unexposed controls)</a:t>
+            </a:r>
+          </a:p>
+          <a:p>
+            <a:pPr marL="457200" lvl="1" indent="0">
+              <a:buNone/>
+            </a:pPr>
+            <a:endParaRPr lang="en-US" sz="1700" dirty="0"/>
+          </a:p>
+        </p:txBody>
+      </p:sp>
+    </p:spTree>
+    <p:extLst>
+      <p:ext uri="{BB962C8B-B14F-4D97-AF65-F5344CB8AC3E}">
+        <p14:creationId xmlns:p14="http://schemas.microsoft.com/office/powerpoint/2010/main" val="1851026266"/>
+      </p:ext>
+    </p:extLst>
+  </p:cSld>
+  <p:clrMapOvr>
+    <a:masterClrMapping/>
+  </p:clrMapOvr>
+</p:sld>
+</file>
+
 <file path=ppt/slides/slide2.xml><?xml version="1.0" encoding="utf-8"?>
 <p:sld xmlns:a="http://schemas.openxmlformats.org/drawingml/2006/main" xmlns:r="http://schemas.openxmlformats.org/officeDocument/2006/relationships" xmlns:p="http://schemas.openxmlformats.org/presentationml/2006/main">
   <p:cSld>
@@ -7348,7 +7583,7 @@
             </a:pPr>
             <a:r>
               <a:rPr lang="en-US" sz="1600" dirty="0"/>
-              <a:t>PR AUC is about the same as with median household income included (delta &lt; 0.01)</a:t>
+              <a:t>PR AUC is about the same as with median household income included: delta &lt; 0.01</a:t>
             </a:r>
           </a:p>
           <a:p>
@@ -7365,11 +7600,7 @@
             </a:pPr>
             <a:r>
               <a:rPr lang="en-US" sz="1600" u="sng" dirty="0"/>
-              <a:t>Protective zip code predictors are among the highest by median household </a:t>
-            </a:r>
-            <a:r>
-              <a:rPr lang="en-US" u="sng" dirty="0"/>
-              <a:t>income</a:t>
+              <a:t>Protective zip code predictors are among the highest by median household income</a:t>
             </a:r>
           </a:p>
         </p:txBody>
@@ -7678,7 +7909,7 @@
         </p:nvSpPr>
         <p:spPr>
           <a:xfrm>
-            <a:off x="838200" y="1046163"/>
+            <a:off x="927410" y="1146524"/>
             <a:ext cx="10515600" cy="4351338"/>
           </a:xfrm>
         </p:spPr>
@@ -7689,30 +7920,30 @@
           <a:lstStyle/>
           <a:p>
             <a:r>
-              <a:rPr lang="en-US" sz="2600" dirty="0"/>
+              <a:rPr lang="en-US" sz="2400" dirty="0"/>
               <a:t>Median household income dominates zip, latitude, and longitude in the regression model</a:t>
             </a:r>
           </a:p>
           <a:p>
-            <a:endParaRPr lang="en-US" sz="2600" dirty="0"/>
-          </a:p>
-          <a:p>
-            <a:r>
-              <a:rPr lang="en-US" sz="2600" dirty="0"/>
+            <a:endParaRPr lang="en-US" sz="2400" dirty="0"/>
+          </a:p>
+          <a:p>
+            <a:r>
+              <a:rPr lang="en-US" sz="2400" dirty="0"/>
               <a:t>Would we want to classify food establishments as likely to fail based on median household income?  (No)</a:t>
             </a:r>
           </a:p>
           <a:p>
-            <a:endParaRPr lang="en-US" sz="2600" dirty="0"/>
-          </a:p>
-          <a:p>
-            <a:r>
-              <a:rPr lang="en-US" sz="2600" dirty="0"/>
+            <a:endParaRPr lang="en-US" sz="2400" dirty="0"/>
+          </a:p>
+          <a:p>
+            <a:r>
+              <a:rPr lang="en-US" sz="2400" dirty="0"/>
               <a:t>Can other variables be included, from census data or otherwise, to identify factors that contribute to failing inspections in an effort to:</a:t>
             </a:r>
           </a:p>
           <a:p>
-            <a:endParaRPr lang="en-US" sz="2600" dirty="0"/>
+            <a:endParaRPr lang="en-US" sz="2400" dirty="0"/>
           </a:p>
           <a:p>
             <a:pPr marL="971550" lvl="1" indent="-514350">
@@ -7720,7 +7951,7 @@
               <a:buAutoNum type="arabicPeriod"/>
             </a:pPr>
             <a:r>
-              <a:rPr lang="en-US" sz="2600" dirty="0"/>
+              <a:rPr lang="en-US" dirty="0"/>
               <a:t>Increase precision and recall</a:t>
             </a:r>
           </a:p>
@@ -7729,7 +7960,7 @@
               <a:buFont typeface="+mj-lt"/>
               <a:buAutoNum type="arabicPeriod"/>
             </a:pPr>
-            <a:endParaRPr lang="en-US" sz="2600" dirty="0"/>
+            <a:endParaRPr lang="en-US" dirty="0"/>
           </a:p>
           <a:p>
             <a:pPr marL="971550" lvl="1" indent="-514350">
@@ -7737,7 +7968,7 @@
               <a:buAutoNum type="arabicPeriod"/>
             </a:pPr>
             <a:r>
-              <a:rPr lang="en-US" sz="2600" dirty="0"/>
+              <a:rPr lang="en-US" dirty="0"/>
               <a:t>Ensure that aspects related to food safety and the quality of the food preparation environment are driving predictions</a:t>
             </a:r>
           </a:p>
